--- a/docs/Grundlagen und Einführung/Rechtliche Anforderungen und Einschätzungen/TOM/Technische und organisatorische Maßnahmen.pptx
+++ b/docs/Grundlagen und Einführung/Rechtliche Anforderungen und Einschätzungen/TOM/Technische und organisatorische Maßnahmen.pptx
@@ -1213,39 +1213,6 @@
         </a:p>
       </dgm:t>
     </dgm:pt>
-    <dgm:pt modelId="{0C4A5935-7FB2-4AC7-AD9C-FED5E37D48A0}">
-      <dgm:prSet phldrT="[Text]" phldr="1"/>
-      <dgm:spPr/>
-      <dgm:t>
-        <a:bodyPr/>
-        <a:lstStyle/>
-        <a:p>
-          <a:endParaRPr lang="de-DE"/>
-        </a:p>
-      </dgm:t>
-    </dgm:pt>
-    <dgm:pt modelId="{766902FA-A479-40D5-B6C5-73E7638AAEED}" type="parTrans" cxnId="{895481F7-523A-4E3A-8CCD-C9E4D39B3113}">
-      <dgm:prSet/>
-      <dgm:spPr/>
-      <dgm:t>
-        <a:bodyPr/>
-        <a:lstStyle/>
-        <a:p>
-          <a:endParaRPr lang="de-DE"/>
-        </a:p>
-      </dgm:t>
-    </dgm:pt>
-    <dgm:pt modelId="{70EAF8B9-8041-41E0-8533-9CAE0FB5AEAF}" type="sibTrans" cxnId="{895481F7-523A-4E3A-8CCD-C9E4D39B3113}">
-      <dgm:prSet/>
-      <dgm:spPr/>
-      <dgm:t>
-        <a:bodyPr/>
-        <a:lstStyle/>
-        <a:p>
-          <a:endParaRPr lang="de-DE"/>
-        </a:p>
-      </dgm:t>
-    </dgm:pt>
     <dgm:pt modelId="{C6D4CCF7-75A1-4EBD-8542-087FE343039F}">
       <dgm:prSet phldrT="[Text]"/>
       <dgm:spPr/>
@@ -1831,8 +1798,13 @@
         <a:p>
           <a:r>
             <a:rPr lang="de-DE" dirty="0"/>
-            <a:t>Faktischer Schutz technischer Systeme vor Brand, Hitze und Kälte-</a:t>
+            <a:t>Faktischer Schutz technischer Systeme vor Brand, Hitze </a:t>
           </a:r>
+          <a:r>
+            <a:rPr lang="de-DE"/>
+            <a:t>und Kälte</a:t>
+          </a:r>
+          <a:endParaRPr lang="de-DE" dirty="0"/>
         </a:p>
       </dgm:t>
     </dgm:pt>
@@ -1932,7 +1904,7 @@
       <dgm:spPr/>
     </dgm:pt>
     <dgm:pt modelId="{9E08D0E7-6020-4C26-9B68-DE824E769769}" type="pres">
-      <dgm:prSet presAssocID="{AD0CE498-3F33-4F99-A723-138538727922}" presName="Name37" presStyleLbl="parChTrans1D3" presStyleIdx="0" presStyleCnt="17"/>
+      <dgm:prSet presAssocID="{AD0CE498-3F33-4F99-A723-138538727922}" presName="Name37" presStyleLbl="parChTrans1D3" presStyleIdx="0" presStyleCnt="16"/>
       <dgm:spPr/>
     </dgm:pt>
     <dgm:pt modelId="{30615B98-D32F-4405-9F75-5B894D5F5BC6}" type="pres">
@@ -1948,7 +1920,7 @@
       <dgm:spPr/>
     </dgm:pt>
     <dgm:pt modelId="{BA84CC7E-DEE1-4BC9-A829-99FFE657F958}" type="pres">
-      <dgm:prSet presAssocID="{63609CAE-1E5E-4C92-AE31-7687483D5DCB}" presName="rootText" presStyleLbl="node3" presStyleIdx="0" presStyleCnt="17">
+      <dgm:prSet presAssocID="{63609CAE-1E5E-4C92-AE31-7687483D5DCB}" presName="rootText" presStyleLbl="node3" presStyleIdx="0" presStyleCnt="16">
         <dgm:presLayoutVars>
           <dgm:chPref val="3"/>
         </dgm:presLayoutVars>
@@ -1956,7 +1928,7 @@
       <dgm:spPr/>
     </dgm:pt>
     <dgm:pt modelId="{FB16251A-8643-43A4-98B0-8AFD78200815}" type="pres">
-      <dgm:prSet presAssocID="{63609CAE-1E5E-4C92-AE31-7687483D5DCB}" presName="rootConnector" presStyleLbl="node3" presStyleIdx="0" presStyleCnt="17"/>
+      <dgm:prSet presAssocID="{63609CAE-1E5E-4C92-AE31-7687483D5DCB}" presName="rootConnector" presStyleLbl="node3" presStyleIdx="0" presStyleCnt="16"/>
       <dgm:spPr/>
     </dgm:pt>
     <dgm:pt modelId="{85297A33-5014-4F60-B5E2-6C89C0AD81B3}" type="pres">
@@ -1968,7 +1940,7 @@
       <dgm:spPr/>
     </dgm:pt>
     <dgm:pt modelId="{1ADA2844-7F9E-46E1-A85D-F11FB1993F6F}" type="pres">
-      <dgm:prSet presAssocID="{58462312-E53F-484C-A6AD-E7B13A29C6DE}" presName="Name37" presStyleLbl="parChTrans1D3" presStyleIdx="1" presStyleCnt="17"/>
+      <dgm:prSet presAssocID="{58462312-E53F-484C-A6AD-E7B13A29C6DE}" presName="Name37" presStyleLbl="parChTrans1D3" presStyleIdx="1" presStyleCnt="16"/>
       <dgm:spPr/>
     </dgm:pt>
     <dgm:pt modelId="{3FD3F41F-6234-4F4D-A777-D14690498525}" type="pres">
@@ -1984,7 +1956,7 @@
       <dgm:spPr/>
     </dgm:pt>
     <dgm:pt modelId="{5BD3E6E6-47B8-45C2-A8A6-C2240E31FCFA}" type="pres">
-      <dgm:prSet presAssocID="{F10A5D9F-48C0-4B3D-AD3D-E357D329EDC1}" presName="rootText" presStyleLbl="node3" presStyleIdx="1" presStyleCnt="17">
+      <dgm:prSet presAssocID="{F10A5D9F-48C0-4B3D-AD3D-E357D329EDC1}" presName="rootText" presStyleLbl="node3" presStyleIdx="1" presStyleCnt="16">
         <dgm:presLayoutVars>
           <dgm:chPref val="3"/>
         </dgm:presLayoutVars>
@@ -1992,7 +1964,7 @@
       <dgm:spPr/>
     </dgm:pt>
     <dgm:pt modelId="{4CC57F89-E9D5-426C-8B24-7338FC54C7B1}" type="pres">
-      <dgm:prSet presAssocID="{F10A5D9F-48C0-4B3D-AD3D-E357D329EDC1}" presName="rootConnector" presStyleLbl="node3" presStyleIdx="1" presStyleCnt="17"/>
+      <dgm:prSet presAssocID="{F10A5D9F-48C0-4B3D-AD3D-E357D329EDC1}" presName="rootConnector" presStyleLbl="node3" presStyleIdx="1" presStyleCnt="16"/>
       <dgm:spPr/>
     </dgm:pt>
     <dgm:pt modelId="{54068F57-45A3-472D-9DED-3C264884AAC2}" type="pres">
@@ -2004,7 +1976,7 @@
       <dgm:spPr/>
     </dgm:pt>
     <dgm:pt modelId="{F5EB4AED-B363-4527-8485-833374823681}" type="pres">
-      <dgm:prSet presAssocID="{976E7CAC-92A7-41AB-AF21-25C51DF174BB}" presName="Name37" presStyleLbl="parChTrans1D3" presStyleIdx="2" presStyleCnt="17"/>
+      <dgm:prSet presAssocID="{976E7CAC-92A7-41AB-AF21-25C51DF174BB}" presName="Name37" presStyleLbl="parChTrans1D3" presStyleIdx="2" presStyleCnt="16"/>
       <dgm:spPr/>
     </dgm:pt>
     <dgm:pt modelId="{2D2164F9-582C-48A5-883A-840BBAA25B3D}" type="pres">
@@ -2020,7 +1992,7 @@
       <dgm:spPr/>
     </dgm:pt>
     <dgm:pt modelId="{620968F6-DB99-432E-9DD4-B2FFB5B16ADC}" type="pres">
-      <dgm:prSet presAssocID="{C6D4CCF7-75A1-4EBD-8542-087FE343039F}" presName="rootText" presStyleLbl="node3" presStyleIdx="2" presStyleCnt="17">
+      <dgm:prSet presAssocID="{C6D4CCF7-75A1-4EBD-8542-087FE343039F}" presName="rootText" presStyleLbl="node3" presStyleIdx="2" presStyleCnt="16">
         <dgm:presLayoutVars>
           <dgm:chPref val="3"/>
         </dgm:presLayoutVars>
@@ -2028,7 +2000,7 @@
       <dgm:spPr/>
     </dgm:pt>
     <dgm:pt modelId="{48E229AB-E7B8-4DD7-8A52-C5822D72BB6F}" type="pres">
-      <dgm:prSet presAssocID="{C6D4CCF7-75A1-4EBD-8542-087FE343039F}" presName="rootConnector" presStyleLbl="node3" presStyleIdx="2" presStyleCnt="17"/>
+      <dgm:prSet presAssocID="{C6D4CCF7-75A1-4EBD-8542-087FE343039F}" presName="rootConnector" presStyleLbl="node3" presStyleIdx="2" presStyleCnt="16"/>
       <dgm:spPr/>
     </dgm:pt>
     <dgm:pt modelId="{CFB7EC2A-5459-41B2-A16E-42730D245BD1}" type="pres">
@@ -2040,7 +2012,7 @@
       <dgm:spPr/>
     </dgm:pt>
     <dgm:pt modelId="{A3367004-3411-447F-ADA7-25BA0E17F5F9}" type="pres">
-      <dgm:prSet presAssocID="{5E42BE81-1A08-41BE-B3FB-EBE45DCD65A1}" presName="Name37" presStyleLbl="parChTrans1D3" presStyleIdx="3" presStyleCnt="17"/>
+      <dgm:prSet presAssocID="{5E42BE81-1A08-41BE-B3FB-EBE45DCD65A1}" presName="Name37" presStyleLbl="parChTrans1D3" presStyleIdx="3" presStyleCnt="16"/>
       <dgm:spPr/>
     </dgm:pt>
     <dgm:pt modelId="{6C0EE28D-DC3D-4A36-82B5-73E05E4DAE4B}" type="pres">
@@ -2056,7 +2028,7 @@
       <dgm:spPr/>
     </dgm:pt>
     <dgm:pt modelId="{8FF2C917-050C-4A66-B0DD-DF2A15DD9C49}" type="pres">
-      <dgm:prSet presAssocID="{4A68B67A-EA9D-4911-82DA-3323AE3340B3}" presName="rootText" presStyleLbl="node3" presStyleIdx="3" presStyleCnt="17">
+      <dgm:prSet presAssocID="{4A68B67A-EA9D-4911-82DA-3323AE3340B3}" presName="rootText" presStyleLbl="node3" presStyleIdx="3" presStyleCnt="16">
         <dgm:presLayoutVars>
           <dgm:chPref val="3"/>
         </dgm:presLayoutVars>
@@ -2064,7 +2036,7 @@
       <dgm:spPr/>
     </dgm:pt>
     <dgm:pt modelId="{7A025135-DC70-4CCF-9265-50AFA8B6E2AE}" type="pres">
-      <dgm:prSet presAssocID="{4A68B67A-EA9D-4911-82DA-3323AE3340B3}" presName="rootConnector" presStyleLbl="node3" presStyleIdx="3" presStyleCnt="17"/>
+      <dgm:prSet presAssocID="{4A68B67A-EA9D-4911-82DA-3323AE3340B3}" presName="rootConnector" presStyleLbl="node3" presStyleIdx="3" presStyleCnt="16"/>
       <dgm:spPr/>
     </dgm:pt>
     <dgm:pt modelId="{0874C1ED-A1E2-4A92-8F98-77892422B002}" type="pres">
@@ -2076,7 +2048,7 @@
       <dgm:spPr/>
     </dgm:pt>
     <dgm:pt modelId="{6D3FABDB-E9C8-4715-8A66-A176220C1474}" type="pres">
-      <dgm:prSet presAssocID="{1A2018EF-F7B4-4436-A2B0-3DE803FAA350}" presName="Name37" presStyleLbl="parChTrans1D3" presStyleIdx="4" presStyleCnt="17"/>
+      <dgm:prSet presAssocID="{1A2018EF-F7B4-4436-A2B0-3DE803FAA350}" presName="Name37" presStyleLbl="parChTrans1D3" presStyleIdx="4" presStyleCnt="16"/>
       <dgm:spPr/>
     </dgm:pt>
     <dgm:pt modelId="{9B729931-497B-444C-9ADA-43B75EC2093D}" type="pres">
@@ -2092,7 +2064,7 @@
       <dgm:spPr/>
     </dgm:pt>
     <dgm:pt modelId="{664E2B40-B637-4EFA-AA55-3731567786B2}" type="pres">
-      <dgm:prSet presAssocID="{82F3651D-8D78-4433-9BD7-5E1341906F6D}" presName="rootText" presStyleLbl="node3" presStyleIdx="4" presStyleCnt="17">
+      <dgm:prSet presAssocID="{82F3651D-8D78-4433-9BD7-5E1341906F6D}" presName="rootText" presStyleLbl="node3" presStyleIdx="4" presStyleCnt="16">
         <dgm:presLayoutVars>
           <dgm:chPref val="3"/>
         </dgm:presLayoutVars>
@@ -2100,7 +2072,7 @@
       <dgm:spPr/>
     </dgm:pt>
     <dgm:pt modelId="{7A9C98A3-FA71-4174-9DBA-88EA8FC5676E}" type="pres">
-      <dgm:prSet presAssocID="{82F3651D-8D78-4433-9BD7-5E1341906F6D}" presName="rootConnector" presStyleLbl="node3" presStyleIdx="4" presStyleCnt="17"/>
+      <dgm:prSet presAssocID="{82F3651D-8D78-4433-9BD7-5E1341906F6D}" presName="rootConnector" presStyleLbl="node3" presStyleIdx="4" presStyleCnt="16"/>
       <dgm:spPr/>
     </dgm:pt>
     <dgm:pt modelId="{C1161D26-16C8-462A-B427-7C5B147F8641}" type="pres">
@@ -2112,7 +2084,7 @@
       <dgm:spPr/>
     </dgm:pt>
     <dgm:pt modelId="{9A5F49FC-0530-4B4A-BDC8-3676EE47D6CD}" type="pres">
-      <dgm:prSet presAssocID="{7AF27613-399F-4F32-8B0D-8A576D039969}" presName="Name37" presStyleLbl="parChTrans1D3" presStyleIdx="5" presStyleCnt="17"/>
+      <dgm:prSet presAssocID="{7AF27613-399F-4F32-8B0D-8A576D039969}" presName="Name37" presStyleLbl="parChTrans1D3" presStyleIdx="5" presStyleCnt="16"/>
       <dgm:spPr/>
     </dgm:pt>
     <dgm:pt modelId="{20EEB558-EA78-4620-B425-39D5C11C428C}" type="pres">
@@ -2128,7 +2100,7 @@
       <dgm:spPr/>
     </dgm:pt>
     <dgm:pt modelId="{02302E96-350E-4F9F-8E9E-F86E00C1D639}" type="pres">
-      <dgm:prSet presAssocID="{079DE57D-4B8B-47ED-896E-AE2E57EEB045}" presName="rootText" presStyleLbl="node3" presStyleIdx="5" presStyleCnt="17">
+      <dgm:prSet presAssocID="{079DE57D-4B8B-47ED-896E-AE2E57EEB045}" presName="rootText" presStyleLbl="node3" presStyleIdx="5" presStyleCnt="16">
         <dgm:presLayoutVars>
           <dgm:chPref val="3"/>
         </dgm:presLayoutVars>
@@ -2136,7 +2108,7 @@
       <dgm:spPr/>
     </dgm:pt>
     <dgm:pt modelId="{8DB2109B-464B-47B4-8B51-4E018B8DB5F0}" type="pres">
-      <dgm:prSet presAssocID="{079DE57D-4B8B-47ED-896E-AE2E57EEB045}" presName="rootConnector" presStyleLbl="node3" presStyleIdx="5" presStyleCnt="17"/>
+      <dgm:prSet presAssocID="{079DE57D-4B8B-47ED-896E-AE2E57EEB045}" presName="rootConnector" presStyleLbl="node3" presStyleIdx="5" presStyleCnt="16"/>
       <dgm:spPr/>
     </dgm:pt>
     <dgm:pt modelId="{9C7926E7-0601-493C-8BCF-3AD47AC48894}" type="pres">
@@ -2184,7 +2156,7 @@
       <dgm:spPr/>
     </dgm:pt>
     <dgm:pt modelId="{116C9052-AECA-4678-B0F0-07767242B5CD}" type="pres">
-      <dgm:prSet presAssocID="{93CAD472-447A-4C40-B6E7-722C8AFA0E08}" presName="Name37" presStyleLbl="parChTrans1D3" presStyleIdx="6" presStyleCnt="17"/>
+      <dgm:prSet presAssocID="{93CAD472-447A-4C40-B6E7-722C8AFA0E08}" presName="Name37" presStyleLbl="parChTrans1D3" presStyleIdx="6" presStyleCnt="16"/>
       <dgm:spPr/>
     </dgm:pt>
     <dgm:pt modelId="{8721FA53-6A94-492E-8044-FFC44D27C13C}" type="pres">
@@ -2200,7 +2172,7 @@
       <dgm:spPr/>
     </dgm:pt>
     <dgm:pt modelId="{483EC8A8-5BE5-4DB0-AC11-07CB05115FF1}" type="pres">
-      <dgm:prSet presAssocID="{E9C19C4F-414C-445E-94B3-EC6964E28912}" presName="rootText" presStyleLbl="node3" presStyleIdx="6" presStyleCnt="17">
+      <dgm:prSet presAssocID="{E9C19C4F-414C-445E-94B3-EC6964E28912}" presName="rootText" presStyleLbl="node3" presStyleIdx="6" presStyleCnt="16">
         <dgm:presLayoutVars>
           <dgm:chPref val="3"/>
         </dgm:presLayoutVars>
@@ -2208,7 +2180,7 @@
       <dgm:spPr/>
     </dgm:pt>
     <dgm:pt modelId="{0D86F979-93A5-4D0B-9CD5-D62B3B45B0B7}" type="pres">
-      <dgm:prSet presAssocID="{E9C19C4F-414C-445E-94B3-EC6964E28912}" presName="rootConnector" presStyleLbl="node3" presStyleIdx="6" presStyleCnt="17"/>
+      <dgm:prSet presAssocID="{E9C19C4F-414C-445E-94B3-EC6964E28912}" presName="rootConnector" presStyleLbl="node3" presStyleIdx="6" presStyleCnt="16"/>
       <dgm:spPr/>
     </dgm:pt>
     <dgm:pt modelId="{29937F17-8326-4668-A926-0FAC3CD39C2D}" type="pres">
@@ -2220,7 +2192,7 @@
       <dgm:spPr/>
     </dgm:pt>
     <dgm:pt modelId="{EB6D02BF-BE66-4CD4-B79E-D53BD21DCDAA}" type="pres">
-      <dgm:prSet presAssocID="{302830A0-5C15-406B-8CCE-91685497E25F}" presName="Name37" presStyleLbl="parChTrans1D3" presStyleIdx="7" presStyleCnt="17"/>
+      <dgm:prSet presAssocID="{302830A0-5C15-406B-8CCE-91685497E25F}" presName="Name37" presStyleLbl="parChTrans1D3" presStyleIdx="7" presStyleCnt="16"/>
       <dgm:spPr/>
     </dgm:pt>
     <dgm:pt modelId="{6BB4938E-C402-4348-AF02-9FC43410AF07}" type="pres">
@@ -2236,7 +2208,7 @@
       <dgm:spPr/>
     </dgm:pt>
     <dgm:pt modelId="{322F5BF6-D9D3-44B7-8CB5-26C5C23C707A}" type="pres">
-      <dgm:prSet presAssocID="{1BEB2142-221F-463E-A513-00E65DFB2490}" presName="rootText" presStyleLbl="node3" presStyleIdx="7" presStyleCnt="17">
+      <dgm:prSet presAssocID="{1BEB2142-221F-463E-A513-00E65DFB2490}" presName="rootText" presStyleLbl="node3" presStyleIdx="7" presStyleCnt="16">
         <dgm:presLayoutVars>
           <dgm:chPref val="3"/>
         </dgm:presLayoutVars>
@@ -2244,7 +2216,7 @@
       <dgm:spPr/>
     </dgm:pt>
     <dgm:pt modelId="{40DA2394-F9F5-4466-A856-5BDE5D4D0C23}" type="pres">
-      <dgm:prSet presAssocID="{1BEB2142-221F-463E-A513-00E65DFB2490}" presName="rootConnector" presStyleLbl="node3" presStyleIdx="7" presStyleCnt="17"/>
+      <dgm:prSet presAssocID="{1BEB2142-221F-463E-A513-00E65DFB2490}" presName="rootConnector" presStyleLbl="node3" presStyleIdx="7" presStyleCnt="16"/>
       <dgm:spPr/>
     </dgm:pt>
     <dgm:pt modelId="{637DA19D-D6EB-4279-A8DA-2CA62983442F}" type="pres">
@@ -2256,7 +2228,7 @@
       <dgm:spPr/>
     </dgm:pt>
     <dgm:pt modelId="{C60C8372-6B49-4F93-A5A9-FE3C3EC39F17}" type="pres">
-      <dgm:prSet presAssocID="{C2057514-15F0-4902-8858-BDE8F36DC1DB}" presName="Name37" presStyleLbl="parChTrans1D3" presStyleIdx="8" presStyleCnt="17"/>
+      <dgm:prSet presAssocID="{C2057514-15F0-4902-8858-BDE8F36DC1DB}" presName="Name37" presStyleLbl="parChTrans1D3" presStyleIdx="8" presStyleCnt="16"/>
       <dgm:spPr/>
     </dgm:pt>
     <dgm:pt modelId="{EA523EA8-41A6-40AB-A41E-A88C0CBF4BC0}" type="pres">
@@ -2272,7 +2244,7 @@
       <dgm:spPr/>
     </dgm:pt>
     <dgm:pt modelId="{CFB8D628-B566-4D42-A61B-EBD4E27C9376}" type="pres">
-      <dgm:prSet presAssocID="{88FD8D7F-B2D9-4586-A1B6-EC283A5A8677}" presName="rootText" presStyleLbl="node3" presStyleIdx="8" presStyleCnt="17">
+      <dgm:prSet presAssocID="{88FD8D7F-B2D9-4586-A1B6-EC283A5A8677}" presName="rootText" presStyleLbl="node3" presStyleIdx="8" presStyleCnt="16">
         <dgm:presLayoutVars>
           <dgm:chPref val="3"/>
         </dgm:presLayoutVars>
@@ -2280,7 +2252,7 @@
       <dgm:spPr/>
     </dgm:pt>
     <dgm:pt modelId="{F93E1210-9FC6-40A8-A113-AF9ECBC6E974}" type="pres">
-      <dgm:prSet presAssocID="{88FD8D7F-B2D9-4586-A1B6-EC283A5A8677}" presName="rootConnector" presStyleLbl="node3" presStyleIdx="8" presStyleCnt="17"/>
+      <dgm:prSet presAssocID="{88FD8D7F-B2D9-4586-A1B6-EC283A5A8677}" presName="rootConnector" presStyleLbl="node3" presStyleIdx="8" presStyleCnt="16"/>
       <dgm:spPr/>
     </dgm:pt>
     <dgm:pt modelId="{0E696D8D-E44C-48AA-B8B9-73A560360CCA}" type="pres">
@@ -2328,7 +2300,7 @@
       <dgm:spPr/>
     </dgm:pt>
     <dgm:pt modelId="{2CFD3DDD-0A09-4822-A748-94B62F5E486F}" type="pres">
-      <dgm:prSet presAssocID="{0B999C06-D3C5-41C3-BA8D-FA83EC112959}" presName="Name37" presStyleLbl="parChTrans1D3" presStyleIdx="9" presStyleCnt="17"/>
+      <dgm:prSet presAssocID="{0B999C06-D3C5-41C3-BA8D-FA83EC112959}" presName="Name37" presStyleLbl="parChTrans1D3" presStyleIdx="9" presStyleCnt="16"/>
       <dgm:spPr/>
     </dgm:pt>
     <dgm:pt modelId="{80D858EE-F251-4BA6-8896-DF3D9106A634}" type="pres">
@@ -2344,7 +2316,7 @@
       <dgm:spPr/>
     </dgm:pt>
     <dgm:pt modelId="{7D7BB256-0EF7-4C59-A8A3-3ADE8AFA7870}" type="pres">
-      <dgm:prSet presAssocID="{A34B80EF-289E-44B8-8537-20A31D11DB63}" presName="rootText" presStyleLbl="node3" presStyleIdx="9" presStyleCnt="17">
+      <dgm:prSet presAssocID="{A34B80EF-289E-44B8-8537-20A31D11DB63}" presName="rootText" presStyleLbl="node3" presStyleIdx="9" presStyleCnt="16">
         <dgm:presLayoutVars>
           <dgm:chPref val="3"/>
         </dgm:presLayoutVars>
@@ -2352,7 +2324,7 @@
       <dgm:spPr/>
     </dgm:pt>
     <dgm:pt modelId="{E590DD78-E716-48F3-98A6-F24AB0A66E8F}" type="pres">
-      <dgm:prSet presAssocID="{A34B80EF-289E-44B8-8537-20A31D11DB63}" presName="rootConnector" presStyleLbl="node3" presStyleIdx="9" presStyleCnt="17"/>
+      <dgm:prSet presAssocID="{A34B80EF-289E-44B8-8537-20A31D11DB63}" presName="rootConnector" presStyleLbl="node3" presStyleIdx="9" presStyleCnt="16"/>
       <dgm:spPr/>
     </dgm:pt>
     <dgm:pt modelId="{E2173336-449E-46AE-9136-1AA03BE862AD}" type="pres">
@@ -2400,7 +2372,7 @@
       <dgm:spPr/>
     </dgm:pt>
     <dgm:pt modelId="{DC974AAC-DEA1-4BDF-A38B-12493AB77DE6}" type="pres">
-      <dgm:prSet presAssocID="{2E21A0EE-9A4A-4AAD-8301-113EFB953D66}" presName="Name37" presStyleLbl="parChTrans1D3" presStyleIdx="10" presStyleCnt="17"/>
+      <dgm:prSet presAssocID="{2E21A0EE-9A4A-4AAD-8301-113EFB953D66}" presName="Name37" presStyleLbl="parChTrans1D3" presStyleIdx="10" presStyleCnt="16"/>
       <dgm:spPr/>
     </dgm:pt>
     <dgm:pt modelId="{E22CC4C6-6AF2-475F-A052-2C22DB7942A0}" type="pres">
@@ -2416,7 +2388,7 @@
       <dgm:spPr/>
     </dgm:pt>
     <dgm:pt modelId="{4B1442EF-71EC-474C-A25F-85CEB83ED0C3}" type="pres">
-      <dgm:prSet presAssocID="{EE37D59C-C7F3-427D-ACE8-9674E4D500AF}" presName="rootText" presStyleLbl="node3" presStyleIdx="10" presStyleCnt="17">
+      <dgm:prSet presAssocID="{EE37D59C-C7F3-427D-ACE8-9674E4D500AF}" presName="rootText" presStyleLbl="node3" presStyleIdx="10" presStyleCnt="16">
         <dgm:presLayoutVars>
           <dgm:chPref val="3"/>
         </dgm:presLayoutVars>
@@ -2424,7 +2396,7 @@
       <dgm:spPr/>
     </dgm:pt>
     <dgm:pt modelId="{76413F54-44B7-4446-B16A-26B354F97390}" type="pres">
-      <dgm:prSet presAssocID="{EE37D59C-C7F3-427D-ACE8-9674E4D500AF}" presName="rootConnector" presStyleLbl="node3" presStyleIdx="10" presStyleCnt="17"/>
+      <dgm:prSet presAssocID="{EE37D59C-C7F3-427D-ACE8-9674E4D500AF}" presName="rootConnector" presStyleLbl="node3" presStyleIdx="10" presStyleCnt="16"/>
       <dgm:spPr/>
     </dgm:pt>
     <dgm:pt modelId="{32762040-DE39-4AC3-B519-DD1DF5B27818}" type="pres">
@@ -2436,7 +2408,7 @@
       <dgm:spPr/>
     </dgm:pt>
     <dgm:pt modelId="{19F4BF83-F0F6-459F-BE8D-D5EA8B372699}" type="pres">
-      <dgm:prSet presAssocID="{2857C81D-5D54-4B28-8ECC-B565D21C6D80}" presName="Name37" presStyleLbl="parChTrans1D3" presStyleIdx="11" presStyleCnt="17"/>
+      <dgm:prSet presAssocID="{2857C81D-5D54-4B28-8ECC-B565D21C6D80}" presName="Name37" presStyleLbl="parChTrans1D3" presStyleIdx="11" presStyleCnt="16"/>
       <dgm:spPr/>
     </dgm:pt>
     <dgm:pt modelId="{7CC10950-D216-4889-BEB0-BD796ECC3843}" type="pres">
@@ -2452,7 +2424,7 @@
       <dgm:spPr/>
     </dgm:pt>
     <dgm:pt modelId="{82C4B241-16FD-4FA5-AE19-C06CF9831DEB}" type="pres">
-      <dgm:prSet presAssocID="{3CBA149E-EFB0-4B0B-A3CC-8E3886C6CECF}" presName="rootText" presStyleLbl="node3" presStyleIdx="11" presStyleCnt="17">
+      <dgm:prSet presAssocID="{3CBA149E-EFB0-4B0B-A3CC-8E3886C6CECF}" presName="rootText" presStyleLbl="node3" presStyleIdx="11" presStyleCnt="16">
         <dgm:presLayoutVars>
           <dgm:chPref val="3"/>
         </dgm:presLayoutVars>
@@ -2460,7 +2432,7 @@
       <dgm:spPr/>
     </dgm:pt>
     <dgm:pt modelId="{57E62337-BE4C-4863-9462-E47300CA04B1}" type="pres">
-      <dgm:prSet presAssocID="{3CBA149E-EFB0-4B0B-A3CC-8E3886C6CECF}" presName="rootConnector" presStyleLbl="node3" presStyleIdx="11" presStyleCnt="17"/>
+      <dgm:prSet presAssocID="{3CBA149E-EFB0-4B0B-A3CC-8E3886C6CECF}" presName="rootConnector" presStyleLbl="node3" presStyleIdx="11" presStyleCnt="16"/>
       <dgm:spPr/>
     </dgm:pt>
     <dgm:pt modelId="{8676B23F-38D4-4063-A280-ABB76AD40EB2}" type="pres">
@@ -2472,7 +2444,7 @@
       <dgm:spPr/>
     </dgm:pt>
     <dgm:pt modelId="{D63DBF40-8CCC-4FCA-A5BF-E10BC2ACB605}" type="pres">
-      <dgm:prSet presAssocID="{597A2724-BA29-40A5-B55A-5A03A90EA5DE}" presName="Name37" presStyleLbl="parChTrans1D3" presStyleIdx="12" presStyleCnt="17"/>
+      <dgm:prSet presAssocID="{597A2724-BA29-40A5-B55A-5A03A90EA5DE}" presName="Name37" presStyleLbl="parChTrans1D3" presStyleIdx="12" presStyleCnt="16"/>
       <dgm:spPr/>
     </dgm:pt>
     <dgm:pt modelId="{4722B8BB-A370-4DB1-BCF2-AA837FA5068E}" type="pres">
@@ -2488,7 +2460,7 @@
       <dgm:spPr/>
     </dgm:pt>
     <dgm:pt modelId="{EC2FD807-33A5-4EC6-BC64-F8BF46B251EA}" type="pres">
-      <dgm:prSet presAssocID="{D473C820-A20A-4237-99C2-607694A6DCD7}" presName="rootText" presStyleLbl="node3" presStyleIdx="12" presStyleCnt="17">
+      <dgm:prSet presAssocID="{D473C820-A20A-4237-99C2-607694A6DCD7}" presName="rootText" presStyleLbl="node3" presStyleIdx="12" presStyleCnt="16">
         <dgm:presLayoutVars>
           <dgm:chPref val="3"/>
         </dgm:presLayoutVars>
@@ -2496,7 +2468,7 @@
       <dgm:spPr/>
     </dgm:pt>
     <dgm:pt modelId="{AF1956CF-75C8-4A00-877F-03E7BCDEAA1F}" type="pres">
-      <dgm:prSet presAssocID="{D473C820-A20A-4237-99C2-607694A6DCD7}" presName="rootConnector" presStyleLbl="node3" presStyleIdx="12" presStyleCnt="17"/>
+      <dgm:prSet presAssocID="{D473C820-A20A-4237-99C2-607694A6DCD7}" presName="rootConnector" presStyleLbl="node3" presStyleIdx="12" presStyleCnt="16"/>
       <dgm:spPr/>
     </dgm:pt>
     <dgm:pt modelId="{17302D19-061B-4FB2-BE61-AD3BA2C3F6E1}" type="pres">
@@ -2508,7 +2480,7 @@
       <dgm:spPr/>
     </dgm:pt>
     <dgm:pt modelId="{80A5E2CF-E08F-48B1-ADF7-23469B7A245A}" type="pres">
-      <dgm:prSet presAssocID="{081CB4DC-D9C8-4DB0-82A6-609E04433E23}" presName="Name37" presStyleLbl="parChTrans1D3" presStyleIdx="13" presStyleCnt="17"/>
+      <dgm:prSet presAssocID="{081CB4DC-D9C8-4DB0-82A6-609E04433E23}" presName="Name37" presStyleLbl="parChTrans1D3" presStyleIdx="13" presStyleCnt="16"/>
       <dgm:spPr/>
     </dgm:pt>
     <dgm:pt modelId="{6D22E018-F9DB-4C1D-BA0C-36F55CEA4EB9}" type="pres">
@@ -2524,7 +2496,7 @@
       <dgm:spPr/>
     </dgm:pt>
     <dgm:pt modelId="{43E77FFC-109D-475A-8D42-F1FAE5945ED9}" type="pres">
-      <dgm:prSet presAssocID="{5F8C2101-7729-49D0-BF9F-34DC12EFED7B}" presName="rootText" presStyleLbl="node3" presStyleIdx="13" presStyleCnt="17">
+      <dgm:prSet presAssocID="{5F8C2101-7729-49D0-BF9F-34DC12EFED7B}" presName="rootText" presStyleLbl="node3" presStyleIdx="13" presStyleCnt="16">
         <dgm:presLayoutVars>
           <dgm:chPref val="3"/>
         </dgm:presLayoutVars>
@@ -2532,7 +2504,7 @@
       <dgm:spPr/>
     </dgm:pt>
     <dgm:pt modelId="{14FC0D38-FEF5-450D-BEA4-E71ADECE61B7}" type="pres">
-      <dgm:prSet presAssocID="{5F8C2101-7729-49D0-BF9F-34DC12EFED7B}" presName="rootConnector" presStyleLbl="node3" presStyleIdx="13" presStyleCnt="17"/>
+      <dgm:prSet presAssocID="{5F8C2101-7729-49D0-BF9F-34DC12EFED7B}" presName="rootConnector" presStyleLbl="node3" presStyleIdx="13" presStyleCnt="16"/>
       <dgm:spPr/>
     </dgm:pt>
     <dgm:pt modelId="{84379FFE-1A29-4F36-BA35-24544B017425}" type="pres">
@@ -2580,7 +2552,7 @@
       <dgm:spPr/>
     </dgm:pt>
     <dgm:pt modelId="{AC53BCFD-E4AC-4694-AADD-F7AC2E4A8FA6}" type="pres">
-      <dgm:prSet presAssocID="{BD37E485-F713-470D-9216-8C5FB5756FC8}" presName="Name37" presStyleLbl="parChTrans1D3" presStyleIdx="14" presStyleCnt="17"/>
+      <dgm:prSet presAssocID="{BD37E485-F713-470D-9216-8C5FB5756FC8}" presName="Name37" presStyleLbl="parChTrans1D3" presStyleIdx="14" presStyleCnt="16"/>
       <dgm:spPr/>
     </dgm:pt>
     <dgm:pt modelId="{D8396A2F-52A1-4ECE-87FD-30C1BAE8F6CD}" type="pres">
@@ -2596,7 +2568,7 @@
       <dgm:spPr/>
     </dgm:pt>
     <dgm:pt modelId="{8302A625-68A8-4303-A34B-AD503C1A890E}" type="pres">
-      <dgm:prSet presAssocID="{C553E991-A2DF-4008-8CD4-B9D83ACD2E93}" presName="rootText" presStyleLbl="node3" presStyleIdx="14" presStyleCnt="17">
+      <dgm:prSet presAssocID="{C553E991-A2DF-4008-8CD4-B9D83ACD2E93}" presName="rootText" presStyleLbl="node3" presStyleIdx="14" presStyleCnt="16">
         <dgm:presLayoutVars>
           <dgm:chPref val="3"/>
         </dgm:presLayoutVars>
@@ -2604,7 +2576,7 @@
       <dgm:spPr/>
     </dgm:pt>
     <dgm:pt modelId="{7B57173A-4907-4B07-AC92-DA51D214D474}" type="pres">
-      <dgm:prSet presAssocID="{C553E991-A2DF-4008-8CD4-B9D83ACD2E93}" presName="rootConnector" presStyleLbl="node3" presStyleIdx="14" presStyleCnt="17"/>
+      <dgm:prSet presAssocID="{C553E991-A2DF-4008-8CD4-B9D83ACD2E93}" presName="rootConnector" presStyleLbl="node3" presStyleIdx="14" presStyleCnt="16"/>
       <dgm:spPr/>
     </dgm:pt>
     <dgm:pt modelId="{5E3A5874-CA68-454B-AEA5-DE9A7DCDCEF0}" type="pres">
@@ -2616,7 +2588,7 @@
       <dgm:spPr/>
     </dgm:pt>
     <dgm:pt modelId="{6CDF5EDE-55BF-4FCD-94DD-B43508F241C7}" type="pres">
-      <dgm:prSet presAssocID="{78DC50E7-9D82-4704-A25F-488ECDAF3189}" presName="Name37" presStyleLbl="parChTrans1D3" presStyleIdx="15" presStyleCnt="17"/>
+      <dgm:prSet presAssocID="{78DC50E7-9D82-4704-A25F-488ECDAF3189}" presName="Name37" presStyleLbl="parChTrans1D3" presStyleIdx="15" presStyleCnt="16"/>
       <dgm:spPr/>
     </dgm:pt>
     <dgm:pt modelId="{48247E9E-0188-47B6-9094-E27A74B6B501}" type="pres">
@@ -2632,7 +2604,7 @@
       <dgm:spPr/>
     </dgm:pt>
     <dgm:pt modelId="{DF262CFD-235C-46F7-B665-B2962CD15D44}" type="pres">
-      <dgm:prSet presAssocID="{D73671E8-DCE7-4821-B019-48FF873D73BF}" presName="rootText" presStyleLbl="node3" presStyleIdx="15" presStyleCnt="17">
+      <dgm:prSet presAssocID="{D73671E8-DCE7-4821-B019-48FF873D73BF}" presName="rootText" presStyleLbl="node3" presStyleIdx="15" presStyleCnt="16">
         <dgm:presLayoutVars>
           <dgm:chPref val="3"/>
         </dgm:presLayoutVars>
@@ -2640,7 +2612,7 @@
       <dgm:spPr/>
     </dgm:pt>
     <dgm:pt modelId="{BFB542A4-5E64-4475-97B7-A8AC48202799}" type="pres">
-      <dgm:prSet presAssocID="{D73671E8-DCE7-4821-B019-48FF873D73BF}" presName="rootConnector" presStyleLbl="node3" presStyleIdx="15" presStyleCnt="17"/>
+      <dgm:prSet presAssocID="{D73671E8-DCE7-4821-B019-48FF873D73BF}" presName="rootConnector" presStyleLbl="node3" presStyleIdx="15" presStyleCnt="16"/>
       <dgm:spPr/>
     </dgm:pt>
     <dgm:pt modelId="{7AF3EC0C-D121-468D-919F-87F82E69CF1D}" type="pres">
@@ -2649,42 +2621,6 @@
     </dgm:pt>
     <dgm:pt modelId="{8B90808F-C636-4704-8D75-AF19755722AC}" type="pres">
       <dgm:prSet presAssocID="{D73671E8-DCE7-4821-B019-48FF873D73BF}" presName="hierChild5" presStyleCnt="0"/>
-      <dgm:spPr/>
-    </dgm:pt>
-    <dgm:pt modelId="{1DD82FB6-0B45-49AA-8E09-2ED464616F41}" type="pres">
-      <dgm:prSet presAssocID="{766902FA-A479-40D5-B6C5-73E7638AAEED}" presName="Name37" presStyleLbl="parChTrans1D3" presStyleIdx="16" presStyleCnt="17"/>
-      <dgm:spPr/>
-    </dgm:pt>
-    <dgm:pt modelId="{315B56B7-B436-4EA5-B246-2BEAA0385E66}" type="pres">
-      <dgm:prSet presAssocID="{0C4A5935-7FB2-4AC7-AD9C-FED5E37D48A0}" presName="hierRoot2" presStyleCnt="0">
-        <dgm:presLayoutVars>
-          <dgm:hierBranch val="init"/>
-        </dgm:presLayoutVars>
-      </dgm:prSet>
-      <dgm:spPr/>
-    </dgm:pt>
-    <dgm:pt modelId="{BAF9031C-17CB-4AFA-885E-05A12CF493E5}" type="pres">
-      <dgm:prSet presAssocID="{0C4A5935-7FB2-4AC7-AD9C-FED5E37D48A0}" presName="rootComposite" presStyleCnt="0"/>
-      <dgm:spPr/>
-    </dgm:pt>
-    <dgm:pt modelId="{94A24890-25F0-40D8-BA48-D2CDEC969AC6}" type="pres">
-      <dgm:prSet presAssocID="{0C4A5935-7FB2-4AC7-AD9C-FED5E37D48A0}" presName="rootText" presStyleLbl="node3" presStyleIdx="16" presStyleCnt="17">
-        <dgm:presLayoutVars>
-          <dgm:chPref val="3"/>
-        </dgm:presLayoutVars>
-      </dgm:prSet>
-      <dgm:spPr/>
-    </dgm:pt>
-    <dgm:pt modelId="{CFCD3E2E-A00E-4B60-BFBF-5F6D31EC6560}" type="pres">
-      <dgm:prSet presAssocID="{0C4A5935-7FB2-4AC7-AD9C-FED5E37D48A0}" presName="rootConnector" presStyleLbl="node3" presStyleIdx="16" presStyleCnt="17"/>
-      <dgm:spPr/>
-    </dgm:pt>
-    <dgm:pt modelId="{4CD303E9-05B3-48E2-A81E-DB3E41771DF1}" type="pres">
-      <dgm:prSet presAssocID="{0C4A5935-7FB2-4AC7-AD9C-FED5E37D48A0}" presName="hierChild4" presStyleCnt="0"/>
-      <dgm:spPr/>
-    </dgm:pt>
-    <dgm:pt modelId="{57EDB7C6-D99A-4DB9-B226-F0DFBE43C76A}" type="pres">
-      <dgm:prSet presAssocID="{0C4A5935-7FB2-4AC7-AD9C-FED5E37D48A0}" presName="hierChild5" presStyleCnt="0"/>
       <dgm:spPr/>
     </dgm:pt>
     <dgm:pt modelId="{9420C46F-6A7E-4470-8DF6-74B9B0B8B46D}" type="pres">
@@ -2722,7 +2658,6 @@
     <dgm:cxn modelId="{D2660533-73B7-40D5-BA4D-BBF7AB9170AB}" type="presOf" srcId="{63609CAE-1E5E-4C92-AE31-7687483D5DCB}" destId="{FB16251A-8643-43A4-98B0-8AFD78200815}" srcOrd="1" destOrd="0" presId="urn:microsoft.com/office/officeart/2005/8/layout/orgChart1"/>
     <dgm:cxn modelId="{19B91F5E-0FBD-4FBB-9FBA-79374DFB0186}" type="presOf" srcId="{40A60158-0CEC-4477-82D3-E8E48628A586}" destId="{939D9BC1-713F-45D5-A5C9-FC8A09453380}" srcOrd="0" destOrd="0" presId="urn:microsoft.com/office/officeart/2005/8/layout/orgChart1"/>
     <dgm:cxn modelId="{0D46555F-1400-4F9B-96AB-79058BDA5B8E}" srcId="{3D9673A8-F27A-4DFF-96C5-7E7E345E414E}" destId="{E9C19C4F-414C-445E-94B3-EC6964E28912}" srcOrd="0" destOrd="0" parTransId="{93CAD472-447A-4C40-B6E7-722C8AFA0E08}" sibTransId="{A1631126-C408-413D-B366-17EF85D9C8F6}"/>
-    <dgm:cxn modelId="{026A5360-7EF4-4E14-9391-7FD170BC41D0}" type="presOf" srcId="{766902FA-A479-40D5-B6C5-73E7638AAEED}" destId="{1DD82FB6-0B45-49AA-8E09-2ED464616F41}" srcOrd="0" destOrd="0" presId="urn:microsoft.com/office/officeart/2005/8/layout/orgChart1"/>
     <dgm:cxn modelId="{7FC4C742-224A-4AE0-A07E-46F25184A1E0}" type="presOf" srcId="{5BADF961-2463-4794-B79C-9ACD86806254}" destId="{67FA34A2-5FD2-4359-86A0-6B384068CD87}" srcOrd="1" destOrd="0" presId="urn:microsoft.com/office/officeart/2005/8/layout/orgChart1"/>
     <dgm:cxn modelId="{517BE443-D937-4D50-A241-25A81B0D0DB6}" type="presOf" srcId="{6F474149-9099-4719-85EF-0DC1DF08B291}" destId="{59FA7B19-0909-4E04-8F42-2FC935C2D88B}" srcOrd="1" destOrd="0" presId="urn:microsoft.com/office/officeart/2005/8/layout/orgChart1"/>
     <dgm:cxn modelId="{9B78CD65-74FE-487F-934D-70B21412C14D}" type="presOf" srcId="{88FD8D7F-B2D9-4586-A1B6-EC283A5A8677}" destId="{CFB8D628-B566-4D42-A61B-EBD4E27C9376}" srcOrd="0" destOrd="0" presId="urn:microsoft.com/office/officeart/2005/8/layout/orgChart1"/>
@@ -2737,7 +2672,6 @@
     <dgm:cxn modelId="{24D66353-B6A1-450A-A355-BA8989FD1E59}" type="presOf" srcId="{E9C19C4F-414C-445E-94B3-EC6964E28912}" destId="{483EC8A8-5BE5-4DB0-AC11-07CB05115FF1}" srcOrd="0" destOrd="0" presId="urn:microsoft.com/office/officeart/2005/8/layout/orgChart1"/>
     <dgm:cxn modelId="{14D9EB57-540C-420A-8833-F5423A8804AA}" srcId="{FEFAB429-140F-4824-90C3-9E0B54B1C35C}" destId="{6F474149-9099-4719-85EF-0DC1DF08B291}" srcOrd="4" destOrd="0" parTransId="{A2C870D7-8E8E-4174-AC54-16E2E8CE87C6}" sibTransId="{5CA1091C-0043-4D8A-AD30-F7783B7689FE}"/>
     <dgm:cxn modelId="{FE301A78-360A-486E-BC8D-A6D234D9F75C}" type="presOf" srcId="{58462312-E53F-484C-A6AD-E7B13A29C6DE}" destId="{1ADA2844-7F9E-46E1-A85D-F11FB1993F6F}" srcOrd="0" destOrd="0" presId="urn:microsoft.com/office/officeart/2005/8/layout/orgChart1"/>
-    <dgm:cxn modelId="{423DA179-260A-421F-B04C-E94088FB4D3A}" type="presOf" srcId="{0C4A5935-7FB2-4AC7-AD9C-FED5E37D48A0}" destId="{94A24890-25F0-40D8-BA48-D2CDEC969AC6}" srcOrd="0" destOrd="0" presId="urn:microsoft.com/office/officeart/2005/8/layout/orgChart1"/>
     <dgm:cxn modelId="{2C97A659-A744-420B-8FBE-D50BB33EF894}" srcId="{FEFAB429-140F-4824-90C3-9E0B54B1C35C}" destId="{5BADF961-2463-4794-B79C-9ACD86806254}" srcOrd="2" destOrd="0" parTransId="{FDE328F0-9C15-43C2-8800-C2C484819392}" sibTransId="{0E88896C-327E-4DC8-99DD-7270810CEC17}"/>
     <dgm:cxn modelId="{D88C297E-685B-44E4-BBF2-E274754F4BC7}" srcId="{D91EBBD0-A6FF-486E-AE4F-39ABA6AC3B98}" destId="{D473C820-A20A-4237-99C2-607694A6DCD7}" srcOrd="2" destOrd="0" parTransId="{597A2724-BA29-40A5-B55A-5A03A90EA5DE}" sibTransId="{F957F236-2115-4EB4-8A05-69794F25C512}"/>
     <dgm:cxn modelId="{EA8C1A84-CC8A-42F3-9674-49A88374BB23}" type="presOf" srcId="{1BEB2142-221F-463E-A513-00E65DFB2490}" destId="{322F5BF6-D9D3-44B7-8CB5-26C5C23C707A}" srcOrd="0" destOrd="0" presId="urn:microsoft.com/office/officeart/2005/8/layout/orgChart1"/>
@@ -2753,7 +2687,6 @@
     <dgm:cxn modelId="{4186E99B-26CB-463A-B922-974657F4AA8B}" type="presOf" srcId="{3214CC53-4380-4DDF-94B4-B6E37B08E844}" destId="{77BB74CE-1C5B-4905-9F3B-A827DC4416A7}" srcOrd="0" destOrd="0" presId="urn:microsoft.com/office/officeart/2005/8/layout/orgChart1"/>
     <dgm:cxn modelId="{89137D9C-B087-44F2-937D-B0698CF76701}" type="presOf" srcId="{0AED06C4-5C06-459A-A533-714C56694029}" destId="{F319DF8B-BF15-40FB-A038-132F16546EC1}" srcOrd="0" destOrd="0" presId="urn:microsoft.com/office/officeart/2005/8/layout/orgChart1"/>
     <dgm:cxn modelId="{1220869D-6FD6-4E37-A643-91B783A3002D}" type="presOf" srcId="{D73671E8-DCE7-4821-B019-48FF873D73BF}" destId="{DF262CFD-235C-46F7-B665-B2962CD15D44}" srcOrd="0" destOrd="0" presId="urn:microsoft.com/office/officeart/2005/8/layout/orgChart1"/>
-    <dgm:cxn modelId="{9893149F-99D5-496C-860C-8B69B35CF161}" type="presOf" srcId="{0C4A5935-7FB2-4AC7-AD9C-FED5E37D48A0}" destId="{CFCD3E2E-A00E-4B60-BFBF-5F6D31EC6560}" srcOrd="1" destOrd="0" presId="urn:microsoft.com/office/officeart/2005/8/layout/orgChart1"/>
     <dgm:cxn modelId="{DF285FA1-D7BF-415F-A068-CE6BF0989442}" type="presOf" srcId="{E9C19C4F-414C-445E-94B3-EC6964E28912}" destId="{0D86F979-93A5-4D0B-9CD5-D62B3B45B0B7}" srcOrd="1" destOrd="0" presId="urn:microsoft.com/office/officeart/2005/8/layout/orgChart1"/>
     <dgm:cxn modelId="{243892A4-098C-4FC0-9736-BB2A03476BA2}" type="presOf" srcId="{3CBA149E-EFB0-4B0B-A3CC-8E3886C6CECF}" destId="{57E62337-BE4C-4863-9462-E47300CA04B1}" srcOrd="1" destOrd="0" presId="urn:microsoft.com/office/officeart/2005/8/layout/orgChart1"/>
     <dgm:cxn modelId="{DCBDE1A4-0490-4DD9-BAF7-30E5C480C05B}" type="presOf" srcId="{976E7CAC-92A7-41AB-AF21-25C51DF174BB}" destId="{F5EB4AED-B363-4527-8485-833374823681}" srcOrd="0" destOrd="0" presId="urn:microsoft.com/office/officeart/2005/8/layout/orgChart1"/>
@@ -2785,7 +2718,6 @@
     <dgm:cxn modelId="{665880F1-462D-4C5E-9B14-C61A8F860F9D}" type="presOf" srcId="{F10A5D9F-48C0-4B3D-AD3D-E357D329EDC1}" destId="{5BD3E6E6-47B8-45C2-A8A6-C2240E31FCFA}" srcOrd="0" destOrd="0" presId="urn:microsoft.com/office/officeart/2005/8/layout/orgChart1"/>
     <dgm:cxn modelId="{7ABD41F2-B4F4-4543-9426-7FD6B9005529}" srcId="{40A60158-0CEC-4477-82D3-E8E48628A586}" destId="{F10A5D9F-48C0-4B3D-AD3D-E357D329EDC1}" srcOrd="1" destOrd="0" parTransId="{58462312-E53F-484C-A6AD-E7B13A29C6DE}" sibTransId="{5376AF02-A44D-40D9-9F2D-F228697F3ABA}"/>
     <dgm:cxn modelId="{EBDB67F2-87A9-490C-9C24-5D9112722843}" srcId="{6F474149-9099-4719-85EF-0DC1DF08B291}" destId="{D73671E8-DCE7-4821-B019-48FF873D73BF}" srcOrd="1" destOrd="0" parTransId="{78DC50E7-9D82-4704-A25F-488ECDAF3189}" sibTransId="{DA9F5DCA-10F4-4DF6-A2DE-4EC52AF0D1E6}"/>
-    <dgm:cxn modelId="{895481F7-523A-4E3A-8CCD-C9E4D39B3113}" srcId="{6F474149-9099-4719-85EF-0DC1DF08B291}" destId="{0C4A5935-7FB2-4AC7-AD9C-FED5E37D48A0}" srcOrd="2" destOrd="0" parTransId="{766902FA-A479-40D5-B6C5-73E7638AAEED}" sibTransId="{70EAF8B9-8041-41E0-8533-9CAE0FB5AEAF}"/>
     <dgm:cxn modelId="{E0AA11F8-C88A-4FC3-9FD8-EEB12FA3A25D}" type="presOf" srcId="{079DE57D-4B8B-47ED-896E-AE2E57EEB045}" destId="{02302E96-350E-4F9F-8E9E-F86E00C1D639}" srcOrd="0" destOrd="0" presId="urn:microsoft.com/office/officeart/2005/8/layout/orgChart1"/>
     <dgm:cxn modelId="{B80AB2FA-071A-4FF5-8DAE-7E0BF21FC509}" type="presOf" srcId="{F10A5D9F-48C0-4B3D-AD3D-E357D329EDC1}" destId="{4CC57F89-E9D5-426C-8B24-7338FC54C7B1}" srcOrd="1" destOrd="0" presId="urn:microsoft.com/office/officeart/2005/8/layout/orgChart1"/>
     <dgm:cxn modelId="{EAEE67FB-6B78-498D-80C7-751702614980}" type="presOf" srcId="{4A68B67A-EA9D-4911-82DA-3323AE3340B3}" destId="{7A025135-DC70-4CCF-9265-50AFA8B6E2AE}" srcOrd="1" destOrd="0" presId="urn:microsoft.com/office/officeart/2005/8/layout/orgChart1"/>
@@ -2940,13 +2872,6 @@
     <dgm:cxn modelId="{E9FAE085-826F-4369-8B47-56DD2D77FEFF}" type="presParOf" srcId="{1B00B6EC-203A-4B67-9AD0-19EBB40DAF13}" destId="{BFB542A4-5E64-4475-97B7-A8AC48202799}" srcOrd="1" destOrd="0" presId="urn:microsoft.com/office/officeart/2005/8/layout/orgChart1"/>
     <dgm:cxn modelId="{DCFE0497-715F-478D-94AB-0E3BC6073384}" type="presParOf" srcId="{48247E9E-0188-47B6-9094-E27A74B6B501}" destId="{7AF3EC0C-D121-468D-919F-87F82E69CF1D}" srcOrd="1" destOrd="0" presId="urn:microsoft.com/office/officeart/2005/8/layout/orgChart1"/>
     <dgm:cxn modelId="{912AAD73-3F1F-4C86-8650-605B0DFF47BA}" type="presParOf" srcId="{48247E9E-0188-47B6-9094-E27A74B6B501}" destId="{8B90808F-C636-4704-8D75-AF19755722AC}" srcOrd="2" destOrd="0" presId="urn:microsoft.com/office/officeart/2005/8/layout/orgChart1"/>
-    <dgm:cxn modelId="{A9E9BCFC-DCCD-4191-A176-D52B0BD95198}" type="presParOf" srcId="{B0A8EC5F-C099-4965-9CD7-AF78ED798029}" destId="{1DD82FB6-0B45-49AA-8E09-2ED464616F41}" srcOrd="4" destOrd="0" presId="urn:microsoft.com/office/officeart/2005/8/layout/orgChart1"/>
-    <dgm:cxn modelId="{CB97EB8F-2FE8-445D-911D-5E516FAC9252}" type="presParOf" srcId="{B0A8EC5F-C099-4965-9CD7-AF78ED798029}" destId="{315B56B7-B436-4EA5-B246-2BEAA0385E66}" srcOrd="5" destOrd="0" presId="urn:microsoft.com/office/officeart/2005/8/layout/orgChart1"/>
-    <dgm:cxn modelId="{1988EADE-FF0B-41B6-82BE-BB5FCF476C60}" type="presParOf" srcId="{315B56B7-B436-4EA5-B246-2BEAA0385E66}" destId="{BAF9031C-17CB-4AFA-885E-05A12CF493E5}" srcOrd="0" destOrd="0" presId="urn:microsoft.com/office/officeart/2005/8/layout/orgChart1"/>
-    <dgm:cxn modelId="{28E57606-935B-4EA8-B52A-18C75988E82B}" type="presParOf" srcId="{BAF9031C-17CB-4AFA-885E-05A12CF493E5}" destId="{94A24890-25F0-40D8-BA48-D2CDEC969AC6}" srcOrd="0" destOrd="0" presId="urn:microsoft.com/office/officeart/2005/8/layout/orgChart1"/>
-    <dgm:cxn modelId="{1BBAF018-74F0-448C-9ACC-B9DE90C27B99}" type="presParOf" srcId="{BAF9031C-17CB-4AFA-885E-05A12CF493E5}" destId="{CFCD3E2E-A00E-4B60-BFBF-5F6D31EC6560}" srcOrd="1" destOrd="0" presId="urn:microsoft.com/office/officeart/2005/8/layout/orgChart1"/>
-    <dgm:cxn modelId="{AF5AF901-BDAA-41E6-9DFE-4BE2E0E61490}" type="presParOf" srcId="{315B56B7-B436-4EA5-B246-2BEAA0385E66}" destId="{4CD303E9-05B3-48E2-A81E-DB3E41771DF1}" srcOrd="1" destOrd="0" presId="urn:microsoft.com/office/officeart/2005/8/layout/orgChart1"/>
-    <dgm:cxn modelId="{BBC0B465-6AAA-4F2C-873D-385D6D0255BB}" type="presParOf" srcId="{315B56B7-B436-4EA5-B246-2BEAA0385E66}" destId="{57EDB7C6-D99A-4DB9-B226-F0DFBE43C76A}" srcOrd="2" destOrd="0" presId="urn:microsoft.com/office/officeart/2005/8/layout/orgChart1"/>
     <dgm:cxn modelId="{CAC586AA-0239-4EBB-83D5-EDFE63168B80}" type="presParOf" srcId="{79E6CD99-7D7C-4DB8-B00C-1A752BF0F457}" destId="{9420C46F-6A7E-4470-8DF6-74B9B0B8B46D}" srcOrd="2" destOrd="0" presId="urn:microsoft.com/office/officeart/2005/8/layout/orgChart1"/>
     <dgm:cxn modelId="{7DF3B4E1-9A99-4540-BC2C-DFD76FD5372B}" type="presParOf" srcId="{7786E6DC-8250-45E7-8111-200C661AA45C}" destId="{32E89060-FFA1-48B4-8598-8EF190635EA7}" srcOrd="2" destOrd="0" presId="urn:microsoft.com/office/officeart/2005/8/layout/orgChart1"/>
   </dgm:cxnLst>
@@ -2968,15 +2893,15 @@
       <dsp:cNvGrpSpPr/>
     </dsp:nvGrpSpPr>
     <dsp:grpSpPr/>
-    <dsp:sp modelId="{1DD82FB6-0B45-49AA-8E09-2ED464616F41}">
+    <dsp:sp modelId="{6CDF5EDE-55BF-4FCD-94DD-B43508F241C7}">
       <dsp:nvSpPr>
         <dsp:cNvPr id="0" name=""/>
         <dsp:cNvSpPr/>
       </dsp:nvSpPr>
       <dsp:spPr>
         <a:xfrm>
-          <a:off x="7406920" y="1465989"/>
-          <a:ext cx="181610" cy="2276191"/>
+          <a:off x="6362450" y="1466274"/>
+          <a:ext cx="181582" cy="1416347"/>
         </a:xfrm>
         <a:custGeom>
           <a:avLst/>
@@ -2990,10 +2915,10 @@
                 <a:pt x="0" y="0"/>
               </a:moveTo>
               <a:lnTo>
-                <a:pt x="0" y="2276191"/>
+                <a:pt x="0" y="1416347"/>
               </a:lnTo>
               <a:lnTo>
-                <a:pt x="181610" y="2276191"/>
+                <a:pt x="181582" y="1416347"/>
               </a:lnTo>
             </a:path>
           </a:pathLst>
@@ -3027,15 +2952,15 @@
         <a:fontRef idx="minor"/>
       </dsp:style>
     </dsp:sp>
-    <dsp:sp modelId="{6CDF5EDE-55BF-4FCD-94DD-B43508F241C7}">
+    <dsp:sp modelId="{AC53BCFD-E4AC-4694-AADD-F7AC2E4A8FA6}">
       <dsp:nvSpPr>
         <dsp:cNvPr id="0" name=""/>
         <dsp:cNvSpPr/>
       </dsp:nvSpPr>
       <dsp:spPr>
         <a:xfrm>
-          <a:off x="7406920" y="1465989"/>
-          <a:ext cx="181610" cy="1416565"/>
+          <a:off x="6362450" y="1466274"/>
+          <a:ext cx="181582" cy="556854"/>
         </a:xfrm>
         <a:custGeom>
           <a:avLst/>
@@ -3049,10 +2974,10 @@
                 <a:pt x="0" y="0"/>
               </a:moveTo>
               <a:lnTo>
-                <a:pt x="0" y="1416565"/>
+                <a:pt x="0" y="556854"/>
               </a:lnTo>
               <a:lnTo>
-                <a:pt x="181610" y="1416565"/>
+                <a:pt x="181582" y="556854"/>
               </a:lnTo>
             </a:path>
           </a:pathLst>
@@ -3086,15 +3011,15 @@
         <a:fontRef idx="minor"/>
       </dsp:style>
     </dsp:sp>
-    <dsp:sp modelId="{AC53BCFD-E4AC-4694-AADD-F7AC2E4A8FA6}">
+    <dsp:sp modelId="{613D64D1-8CA1-4111-B39F-4D68C44C3C02}">
       <dsp:nvSpPr>
         <dsp:cNvPr id="0" name=""/>
         <dsp:cNvSpPr/>
       </dsp:nvSpPr>
       <dsp:spPr>
         <a:xfrm>
-          <a:off x="7406920" y="1465989"/>
-          <a:ext cx="181610" cy="556940"/>
+          <a:off x="3917132" y="606781"/>
+          <a:ext cx="2929538" cy="254216"/>
         </a:xfrm>
         <a:custGeom>
           <a:avLst/>
@@ -3108,10 +3033,72 @@
                 <a:pt x="0" y="0"/>
               </a:moveTo>
               <a:lnTo>
-                <a:pt x="0" y="556940"/>
+                <a:pt x="0" y="127108"/>
               </a:lnTo>
               <a:lnTo>
-                <a:pt x="181610" y="556940"/>
+                <a:pt x="2929538" y="127108"/>
+              </a:lnTo>
+              <a:lnTo>
+                <a:pt x="2929538" y="254216"/>
+              </a:lnTo>
+            </a:path>
+          </a:pathLst>
+        </a:custGeom>
+        <a:noFill/>
+        <a:ln w="12700" cap="flat" cmpd="sng" algn="ctr">
+          <a:solidFill>
+            <a:schemeClr val="accent1">
+              <a:tint val="90000"/>
+              <a:hueOff val="0"/>
+              <a:satOff val="0"/>
+              <a:lumOff val="0"/>
+              <a:alphaOff val="0"/>
+            </a:schemeClr>
+          </a:solidFill>
+          <a:prstDash val="solid"/>
+          <a:miter lim="800000"/>
+        </a:ln>
+        <a:effectLst/>
+      </dsp:spPr>
+      <dsp:style>
+        <a:lnRef idx="2">
+          <a:scrgbClr r="0" g="0" b="0"/>
+        </a:lnRef>
+        <a:fillRef idx="0">
+          <a:scrgbClr r="0" g="0" b="0"/>
+        </a:fillRef>
+        <a:effectRef idx="0">
+          <a:scrgbClr r="0" g="0" b="0"/>
+        </a:effectRef>
+        <a:fontRef idx="minor"/>
+      </dsp:style>
+    </dsp:sp>
+    <dsp:sp modelId="{80A5E2CF-E08F-48B1-ADF7-23469B7A245A}">
+      <dsp:nvSpPr>
+        <dsp:cNvPr id="0" name=""/>
+        <dsp:cNvSpPr/>
+      </dsp:nvSpPr>
+      <dsp:spPr>
+        <a:xfrm>
+          <a:off x="4897680" y="1466274"/>
+          <a:ext cx="181582" cy="3135332"/>
+        </a:xfrm>
+        <a:custGeom>
+          <a:avLst/>
+          <a:gdLst/>
+          <a:ahLst/>
+          <a:cxnLst/>
+          <a:rect l="0" t="0" r="0" b="0"/>
+          <a:pathLst>
+            <a:path>
+              <a:moveTo>
+                <a:pt x="0" y="0"/>
+              </a:moveTo>
+              <a:lnTo>
+                <a:pt x="0" y="3135332"/>
+              </a:lnTo>
+              <a:lnTo>
+                <a:pt x="181582" y="3135332"/>
               </a:lnTo>
             </a:path>
           </a:pathLst>
@@ -3145,15 +3132,15 @@
         <a:fontRef idx="minor"/>
       </dsp:style>
     </dsp:sp>
-    <dsp:sp modelId="{613D64D1-8CA1-4111-B39F-4D68C44C3C02}">
+    <dsp:sp modelId="{D63DBF40-8CCC-4FCA-A5BF-E10BC2ACB605}">
       <dsp:nvSpPr>
         <dsp:cNvPr id="0" name=""/>
         <dsp:cNvSpPr/>
       </dsp:nvSpPr>
       <dsp:spPr>
         <a:xfrm>
-          <a:off x="4961225" y="606364"/>
-          <a:ext cx="2929990" cy="254255"/>
+          <a:off x="4897680" y="1466274"/>
+          <a:ext cx="181582" cy="2275840"/>
         </a:xfrm>
         <a:custGeom>
           <a:avLst/>
@@ -3167,13 +3154,190 @@
                 <a:pt x="0" y="0"/>
               </a:moveTo>
               <a:lnTo>
-                <a:pt x="0" y="127127"/>
+                <a:pt x="0" y="2275840"/>
               </a:lnTo>
               <a:lnTo>
-                <a:pt x="2929990" y="127127"/>
+                <a:pt x="181582" y="2275840"/>
+              </a:lnTo>
+            </a:path>
+          </a:pathLst>
+        </a:custGeom>
+        <a:noFill/>
+        <a:ln w="12700" cap="flat" cmpd="sng" algn="ctr">
+          <a:solidFill>
+            <a:schemeClr val="accent1">
+              <a:tint val="70000"/>
+              <a:hueOff val="0"/>
+              <a:satOff val="0"/>
+              <a:lumOff val="0"/>
+              <a:alphaOff val="0"/>
+            </a:schemeClr>
+          </a:solidFill>
+          <a:prstDash val="solid"/>
+          <a:miter lim="800000"/>
+        </a:ln>
+        <a:effectLst/>
+      </dsp:spPr>
+      <dsp:style>
+        <a:lnRef idx="2">
+          <a:scrgbClr r="0" g="0" b="0"/>
+        </a:lnRef>
+        <a:fillRef idx="0">
+          <a:scrgbClr r="0" g="0" b="0"/>
+        </a:fillRef>
+        <a:effectRef idx="0">
+          <a:scrgbClr r="0" g="0" b="0"/>
+        </a:effectRef>
+        <a:fontRef idx="minor"/>
+      </dsp:style>
+    </dsp:sp>
+    <dsp:sp modelId="{19F4BF83-F0F6-459F-BE8D-D5EA8B372699}">
+      <dsp:nvSpPr>
+        <dsp:cNvPr id="0" name=""/>
+        <dsp:cNvSpPr/>
+      </dsp:nvSpPr>
+      <dsp:spPr>
+        <a:xfrm>
+          <a:off x="4897680" y="1466274"/>
+          <a:ext cx="181582" cy="1416347"/>
+        </a:xfrm>
+        <a:custGeom>
+          <a:avLst/>
+          <a:gdLst/>
+          <a:ahLst/>
+          <a:cxnLst/>
+          <a:rect l="0" t="0" r="0" b="0"/>
+          <a:pathLst>
+            <a:path>
+              <a:moveTo>
+                <a:pt x="0" y="0"/>
+              </a:moveTo>
+              <a:lnTo>
+                <a:pt x="0" y="1416347"/>
               </a:lnTo>
               <a:lnTo>
-                <a:pt x="2929990" y="254255"/>
+                <a:pt x="181582" y="1416347"/>
+              </a:lnTo>
+            </a:path>
+          </a:pathLst>
+        </a:custGeom>
+        <a:noFill/>
+        <a:ln w="12700" cap="flat" cmpd="sng" algn="ctr">
+          <a:solidFill>
+            <a:schemeClr val="accent1">
+              <a:tint val="70000"/>
+              <a:hueOff val="0"/>
+              <a:satOff val="0"/>
+              <a:lumOff val="0"/>
+              <a:alphaOff val="0"/>
+            </a:schemeClr>
+          </a:solidFill>
+          <a:prstDash val="solid"/>
+          <a:miter lim="800000"/>
+        </a:ln>
+        <a:effectLst/>
+      </dsp:spPr>
+      <dsp:style>
+        <a:lnRef idx="2">
+          <a:scrgbClr r="0" g="0" b="0"/>
+        </a:lnRef>
+        <a:fillRef idx="0">
+          <a:scrgbClr r="0" g="0" b="0"/>
+        </a:fillRef>
+        <a:effectRef idx="0">
+          <a:scrgbClr r="0" g="0" b="0"/>
+        </a:effectRef>
+        <a:fontRef idx="minor"/>
+      </dsp:style>
+    </dsp:sp>
+    <dsp:sp modelId="{DC974AAC-DEA1-4BDF-A38B-12493AB77DE6}">
+      <dsp:nvSpPr>
+        <dsp:cNvPr id="0" name=""/>
+        <dsp:cNvSpPr/>
+      </dsp:nvSpPr>
+      <dsp:spPr>
+        <a:xfrm>
+          <a:off x="4897680" y="1466274"/>
+          <a:ext cx="181582" cy="556854"/>
+        </a:xfrm>
+        <a:custGeom>
+          <a:avLst/>
+          <a:gdLst/>
+          <a:ahLst/>
+          <a:cxnLst/>
+          <a:rect l="0" t="0" r="0" b="0"/>
+          <a:pathLst>
+            <a:path>
+              <a:moveTo>
+                <a:pt x="0" y="0"/>
+              </a:moveTo>
+              <a:lnTo>
+                <a:pt x="0" y="556854"/>
+              </a:lnTo>
+              <a:lnTo>
+                <a:pt x="181582" y="556854"/>
+              </a:lnTo>
+            </a:path>
+          </a:pathLst>
+        </a:custGeom>
+        <a:noFill/>
+        <a:ln w="12700" cap="flat" cmpd="sng" algn="ctr">
+          <a:solidFill>
+            <a:schemeClr val="accent1">
+              <a:tint val="70000"/>
+              <a:hueOff val="0"/>
+              <a:satOff val="0"/>
+              <a:lumOff val="0"/>
+              <a:alphaOff val="0"/>
+            </a:schemeClr>
+          </a:solidFill>
+          <a:prstDash val="solid"/>
+          <a:miter lim="800000"/>
+        </a:ln>
+        <a:effectLst/>
+      </dsp:spPr>
+      <dsp:style>
+        <a:lnRef idx="2">
+          <a:scrgbClr r="0" g="0" b="0"/>
+        </a:lnRef>
+        <a:fillRef idx="0">
+          <a:scrgbClr r="0" g="0" b="0"/>
+        </a:fillRef>
+        <a:effectRef idx="0">
+          <a:scrgbClr r="0" g="0" b="0"/>
+        </a:effectRef>
+        <a:fontRef idx="minor"/>
+      </dsp:style>
+    </dsp:sp>
+    <dsp:sp modelId="{F319DF8B-BF15-40FB-A038-132F16546EC1}">
+      <dsp:nvSpPr>
+        <dsp:cNvPr id="0" name=""/>
+        <dsp:cNvSpPr/>
+      </dsp:nvSpPr>
+      <dsp:spPr>
+        <a:xfrm>
+          <a:off x="3917132" y="606781"/>
+          <a:ext cx="1464769" cy="254216"/>
+        </a:xfrm>
+        <a:custGeom>
+          <a:avLst/>
+          <a:gdLst/>
+          <a:ahLst/>
+          <a:cxnLst/>
+          <a:rect l="0" t="0" r="0" b="0"/>
+          <a:pathLst>
+            <a:path>
+              <a:moveTo>
+                <a:pt x="0" y="0"/>
+              </a:moveTo>
+              <a:lnTo>
+                <a:pt x="0" y="127108"/>
+              </a:lnTo>
+              <a:lnTo>
+                <a:pt x="1464769" y="127108"/>
+              </a:lnTo>
+              <a:lnTo>
+                <a:pt x="1464769" y="254216"/>
               </a:lnTo>
             </a:path>
           </a:pathLst>
@@ -3207,15 +3371,15 @@
         <a:fontRef idx="minor"/>
       </dsp:style>
     </dsp:sp>
-    <dsp:sp modelId="{80A5E2CF-E08F-48B1-ADF7-23469B7A245A}">
+    <dsp:sp modelId="{2CFD3DDD-0A09-4822-A748-94B62F5E486F}">
       <dsp:nvSpPr>
         <dsp:cNvPr id="0" name=""/>
         <dsp:cNvSpPr/>
       </dsp:nvSpPr>
       <dsp:spPr>
         <a:xfrm>
-          <a:off x="5941924" y="1465989"/>
-          <a:ext cx="181610" cy="3135816"/>
+          <a:off x="3432911" y="1466274"/>
+          <a:ext cx="181582" cy="556854"/>
         </a:xfrm>
         <a:custGeom>
           <a:avLst/>
@@ -3229,10 +3393,10 @@
                 <a:pt x="0" y="0"/>
               </a:moveTo>
               <a:lnTo>
-                <a:pt x="0" y="3135816"/>
+                <a:pt x="0" y="556854"/>
               </a:lnTo>
               <a:lnTo>
-                <a:pt x="181610" y="3135816"/>
+                <a:pt x="181582" y="556854"/>
               </a:lnTo>
             </a:path>
           </a:pathLst>
@@ -3266,15 +3430,71 @@
         <a:fontRef idx="minor"/>
       </dsp:style>
     </dsp:sp>
-    <dsp:sp modelId="{D63DBF40-8CCC-4FCA-A5BF-E10BC2ACB605}">
+    <dsp:sp modelId="{49806CF0-11FC-48AE-9DF4-84457100A0B8}">
       <dsp:nvSpPr>
         <dsp:cNvPr id="0" name=""/>
         <dsp:cNvSpPr/>
       </dsp:nvSpPr>
       <dsp:spPr>
         <a:xfrm>
-          <a:off x="5941924" y="1465989"/>
-          <a:ext cx="181610" cy="2276191"/>
+          <a:off x="3871412" y="606781"/>
+          <a:ext cx="91440" cy="254216"/>
+        </a:xfrm>
+        <a:custGeom>
+          <a:avLst/>
+          <a:gdLst/>
+          <a:ahLst/>
+          <a:cxnLst/>
+          <a:rect l="0" t="0" r="0" b="0"/>
+          <a:pathLst>
+            <a:path>
+              <a:moveTo>
+                <a:pt x="45720" y="0"/>
+              </a:moveTo>
+              <a:lnTo>
+                <a:pt x="45720" y="254216"/>
+              </a:lnTo>
+            </a:path>
+          </a:pathLst>
+        </a:custGeom>
+        <a:noFill/>
+        <a:ln w="12700" cap="flat" cmpd="sng" algn="ctr">
+          <a:solidFill>
+            <a:schemeClr val="accent1">
+              <a:tint val="90000"/>
+              <a:hueOff val="0"/>
+              <a:satOff val="0"/>
+              <a:lumOff val="0"/>
+              <a:alphaOff val="0"/>
+            </a:schemeClr>
+          </a:solidFill>
+          <a:prstDash val="solid"/>
+          <a:miter lim="800000"/>
+        </a:ln>
+        <a:effectLst/>
+      </dsp:spPr>
+      <dsp:style>
+        <a:lnRef idx="2">
+          <a:scrgbClr r="0" g="0" b="0"/>
+        </a:lnRef>
+        <a:fillRef idx="0">
+          <a:scrgbClr r="0" g="0" b="0"/>
+        </a:fillRef>
+        <a:effectRef idx="0">
+          <a:scrgbClr r="0" g="0" b="0"/>
+        </a:effectRef>
+        <a:fontRef idx="minor"/>
+      </dsp:style>
+    </dsp:sp>
+    <dsp:sp modelId="{C60C8372-6B49-4F93-A5A9-FE3C3EC39F17}">
+      <dsp:nvSpPr>
+        <dsp:cNvPr id="0" name=""/>
+        <dsp:cNvSpPr/>
+      </dsp:nvSpPr>
+      <dsp:spPr>
+        <a:xfrm>
+          <a:off x="1968142" y="1466274"/>
+          <a:ext cx="181582" cy="2275840"/>
         </a:xfrm>
         <a:custGeom>
           <a:avLst/>
@@ -3288,10 +3508,10 @@
                 <a:pt x="0" y="0"/>
               </a:moveTo>
               <a:lnTo>
-                <a:pt x="0" y="2276191"/>
+                <a:pt x="0" y="2275840"/>
               </a:lnTo>
               <a:lnTo>
-                <a:pt x="181610" y="2276191"/>
+                <a:pt x="181582" y="2275840"/>
               </a:lnTo>
             </a:path>
           </a:pathLst>
@@ -3325,15 +3545,15 @@
         <a:fontRef idx="minor"/>
       </dsp:style>
     </dsp:sp>
-    <dsp:sp modelId="{19F4BF83-F0F6-459F-BE8D-D5EA8B372699}">
+    <dsp:sp modelId="{EB6D02BF-BE66-4CD4-B79E-D53BD21DCDAA}">
       <dsp:nvSpPr>
         <dsp:cNvPr id="0" name=""/>
         <dsp:cNvSpPr/>
       </dsp:nvSpPr>
       <dsp:spPr>
         <a:xfrm>
-          <a:off x="5941924" y="1465989"/>
-          <a:ext cx="181610" cy="1416565"/>
+          <a:off x="1968142" y="1466274"/>
+          <a:ext cx="181582" cy="1416347"/>
         </a:xfrm>
         <a:custGeom>
           <a:avLst/>
@@ -3347,10 +3567,10 @@
                 <a:pt x="0" y="0"/>
               </a:moveTo>
               <a:lnTo>
-                <a:pt x="0" y="1416565"/>
+                <a:pt x="0" y="1416347"/>
               </a:lnTo>
               <a:lnTo>
-                <a:pt x="181610" y="1416565"/>
+                <a:pt x="181582" y="1416347"/>
               </a:lnTo>
             </a:path>
           </a:pathLst>
@@ -3384,15 +3604,15 @@
         <a:fontRef idx="minor"/>
       </dsp:style>
     </dsp:sp>
-    <dsp:sp modelId="{DC974AAC-DEA1-4BDF-A38B-12493AB77DE6}">
+    <dsp:sp modelId="{116C9052-AECA-4678-B0F0-07767242B5CD}">
       <dsp:nvSpPr>
         <dsp:cNvPr id="0" name=""/>
         <dsp:cNvSpPr/>
       </dsp:nvSpPr>
       <dsp:spPr>
         <a:xfrm>
-          <a:off x="5941924" y="1465989"/>
-          <a:ext cx="181610" cy="556940"/>
+          <a:off x="1968142" y="1466274"/>
+          <a:ext cx="181582" cy="556854"/>
         </a:xfrm>
         <a:custGeom>
           <a:avLst/>
@@ -3406,10 +3626,10 @@
                 <a:pt x="0" y="0"/>
               </a:moveTo>
               <a:lnTo>
-                <a:pt x="0" y="556940"/>
+                <a:pt x="0" y="556854"/>
               </a:lnTo>
               <a:lnTo>
-                <a:pt x="181610" y="556940"/>
+                <a:pt x="181582" y="556854"/>
               </a:lnTo>
             </a:path>
           </a:pathLst>
@@ -3443,15 +3663,15 @@
         <a:fontRef idx="minor"/>
       </dsp:style>
     </dsp:sp>
-    <dsp:sp modelId="{F319DF8B-BF15-40FB-A038-132F16546EC1}">
+    <dsp:sp modelId="{1C12B50E-4550-4B3A-8143-E5D7381C3903}">
       <dsp:nvSpPr>
         <dsp:cNvPr id="0" name=""/>
         <dsp:cNvSpPr/>
       </dsp:nvSpPr>
       <dsp:spPr>
         <a:xfrm>
-          <a:off x="4961225" y="606364"/>
-          <a:ext cx="1464995" cy="254255"/>
+          <a:off x="2452363" y="606781"/>
+          <a:ext cx="1464769" cy="254216"/>
         </a:xfrm>
         <a:custGeom>
           <a:avLst/>
@@ -3462,16 +3682,16 @@
           <a:pathLst>
             <a:path>
               <a:moveTo>
-                <a:pt x="0" y="0"/>
+                <a:pt x="1464769" y="0"/>
               </a:moveTo>
               <a:lnTo>
-                <a:pt x="0" y="127127"/>
+                <a:pt x="1464769" y="127108"/>
               </a:lnTo>
               <a:lnTo>
-                <a:pt x="1464995" y="127127"/>
+                <a:pt x="0" y="127108"/>
               </a:lnTo>
               <a:lnTo>
-                <a:pt x="1464995" y="254255"/>
+                <a:pt x="0" y="254216"/>
               </a:lnTo>
             </a:path>
           </a:pathLst>
@@ -3505,15 +3725,15 @@
         <a:fontRef idx="minor"/>
       </dsp:style>
     </dsp:sp>
-    <dsp:sp modelId="{2CFD3DDD-0A09-4822-A748-94B62F5E486F}">
+    <dsp:sp modelId="{9A5F49FC-0530-4B4A-BDC8-3676EE47D6CD}">
       <dsp:nvSpPr>
         <dsp:cNvPr id="0" name=""/>
         <dsp:cNvSpPr/>
       </dsp:nvSpPr>
       <dsp:spPr>
         <a:xfrm>
-          <a:off x="4476929" y="1465989"/>
-          <a:ext cx="181610" cy="556940"/>
+          <a:off x="503372" y="1466274"/>
+          <a:ext cx="181582" cy="4854318"/>
         </a:xfrm>
         <a:custGeom>
           <a:avLst/>
@@ -3527,10 +3747,10 @@
                 <a:pt x="0" y="0"/>
               </a:moveTo>
               <a:lnTo>
-                <a:pt x="0" y="556940"/>
+                <a:pt x="0" y="4854318"/>
               </a:lnTo>
               <a:lnTo>
-                <a:pt x="181610" y="556940"/>
+                <a:pt x="181582" y="4854318"/>
               </a:lnTo>
             </a:path>
           </a:pathLst>
@@ -3564,15 +3784,15 @@
         <a:fontRef idx="minor"/>
       </dsp:style>
     </dsp:sp>
-    <dsp:sp modelId="{49806CF0-11FC-48AE-9DF4-84457100A0B8}">
+    <dsp:sp modelId="{6D3FABDB-E9C8-4715-8A66-A176220C1474}">
       <dsp:nvSpPr>
         <dsp:cNvPr id="0" name=""/>
         <dsp:cNvSpPr/>
       </dsp:nvSpPr>
       <dsp:spPr>
         <a:xfrm>
-          <a:off x="4915505" y="606364"/>
-          <a:ext cx="91440" cy="254255"/>
+          <a:off x="503372" y="1466274"/>
+          <a:ext cx="181582" cy="3994825"/>
         </a:xfrm>
         <a:custGeom>
           <a:avLst/>
@@ -3583,10 +3803,311 @@
           <a:pathLst>
             <a:path>
               <a:moveTo>
-                <a:pt x="45720" y="0"/>
+                <a:pt x="0" y="0"/>
               </a:moveTo>
               <a:lnTo>
-                <a:pt x="45720" y="254255"/>
+                <a:pt x="0" y="3994825"/>
+              </a:lnTo>
+              <a:lnTo>
+                <a:pt x="181582" y="3994825"/>
+              </a:lnTo>
+            </a:path>
+          </a:pathLst>
+        </a:custGeom>
+        <a:noFill/>
+        <a:ln w="12700" cap="flat" cmpd="sng" algn="ctr">
+          <a:solidFill>
+            <a:schemeClr val="accent1">
+              <a:tint val="70000"/>
+              <a:hueOff val="0"/>
+              <a:satOff val="0"/>
+              <a:lumOff val="0"/>
+              <a:alphaOff val="0"/>
+            </a:schemeClr>
+          </a:solidFill>
+          <a:prstDash val="solid"/>
+          <a:miter lim="800000"/>
+        </a:ln>
+        <a:effectLst/>
+      </dsp:spPr>
+      <dsp:style>
+        <a:lnRef idx="2">
+          <a:scrgbClr r="0" g="0" b="0"/>
+        </a:lnRef>
+        <a:fillRef idx="0">
+          <a:scrgbClr r="0" g="0" b="0"/>
+        </a:fillRef>
+        <a:effectRef idx="0">
+          <a:scrgbClr r="0" g="0" b="0"/>
+        </a:effectRef>
+        <a:fontRef idx="minor"/>
+      </dsp:style>
+    </dsp:sp>
+    <dsp:sp modelId="{A3367004-3411-447F-ADA7-25BA0E17F5F9}">
+      <dsp:nvSpPr>
+        <dsp:cNvPr id="0" name=""/>
+        <dsp:cNvSpPr/>
+      </dsp:nvSpPr>
+      <dsp:spPr>
+        <a:xfrm>
+          <a:off x="503372" y="1466274"/>
+          <a:ext cx="181582" cy="3135332"/>
+        </a:xfrm>
+        <a:custGeom>
+          <a:avLst/>
+          <a:gdLst/>
+          <a:ahLst/>
+          <a:cxnLst/>
+          <a:rect l="0" t="0" r="0" b="0"/>
+          <a:pathLst>
+            <a:path>
+              <a:moveTo>
+                <a:pt x="0" y="0"/>
+              </a:moveTo>
+              <a:lnTo>
+                <a:pt x="0" y="3135332"/>
+              </a:lnTo>
+              <a:lnTo>
+                <a:pt x="181582" y="3135332"/>
+              </a:lnTo>
+            </a:path>
+          </a:pathLst>
+        </a:custGeom>
+        <a:noFill/>
+        <a:ln w="12700" cap="flat" cmpd="sng" algn="ctr">
+          <a:solidFill>
+            <a:schemeClr val="accent1">
+              <a:tint val="70000"/>
+              <a:hueOff val="0"/>
+              <a:satOff val="0"/>
+              <a:lumOff val="0"/>
+              <a:alphaOff val="0"/>
+            </a:schemeClr>
+          </a:solidFill>
+          <a:prstDash val="solid"/>
+          <a:miter lim="800000"/>
+        </a:ln>
+        <a:effectLst/>
+      </dsp:spPr>
+      <dsp:style>
+        <a:lnRef idx="2">
+          <a:scrgbClr r="0" g="0" b="0"/>
+        </a:lnRef>
+        <a:fillRef idx="0">
+          <a:scrgbClr r="0" g="0" b="0"/>
+        </a:fillRef>
+        <a:effectRef idx="0">
+          <a:scrgbClr r="0" g="0" b="0"/>
+        </a:effectRef>
+        <a:fontRef idx="minor"/>
+      </dsp:style>
+    </dsp:sp>
+    <dsp:sp modelId="{F5EB4AED-B363-4527-8485-833374823681}">
+      <dsp:nvSpPr>
+        <dsp:cNvPr id="0" name=""/>
+        <dsp:cNvSpPr/>
+      </dsp:nvSpPr>
+      <dsp:spPr>
+        <a:xfrm>
+          <a:off x="503372" y="1466274"/>
+          <a:ext cx="181582" cy="2275840"/>
+        </a:xfrm>
+        <a:custGeom>
+          <a:avLst/>
+          <a:gdLst/>
+          <a:ahLst/>
+          <a:cxnLst/>
+          <a:rect l="0" t="0" r="0" b="0"/>
+          <a:pathLst>
+            <a:path>
+              <a:moveTo>
+                <a:pt x="0" y="0"/>
+              </a:moveTo>
+              <a:lnTo>
+                <a:pt x="0" y="2275840"/>
+              </a:lnTo>
+              <a:lnTo>
+                <a:pt x="181582" y="2275840"/>
+              </a:lnTo>
+            </a:path>
+          </a:pathLst>
+        </a:custGeom>
+        <a:noFill/>
+        <a:ln w="12700" cap="flat" cmpd="sng" algn="ctr">
+          <a:solidFill>
+            <a:schemeClr val="accent1">
+              <a:tint val="70000"/>
+              <a:hueOff val="0"/>
+              <a:satOff val="0"/>
+              <a:lumOff val="0"/>
+              <a:alphaOff val="0"/>
+            </a:schemeClr>
+          </a:solidFill>
+          <a:prstDash val="solid"/>
+          <a:miter lim="800000"/>
+        </a:ln>
+        <a:effectLst/>
+      </dsp:spPr>
+      <dsp:style>
+        <a:lnRef idx="2">
+          <a:scrgbClr r="0" g="0" b="0"/>
+        </a:lnRef>
+        <a:fillRef idx="0">
+          <a:scrgbClr r="0" g="0" b="0"/>
+        </a:fillRef>
+        <a:effectRef idx="0">
+          <a:scrgbClr r="0" g="0" b="0"/>
+        </a:effectRef>
+        <a:fontRef idx="minor"/>
+      </dsp:style>
+    </dsp:sp>
+    <dsp:sp modelId="{1ADA2844-7F9E-46E1-A85D-F11FB1993F6F}">
+      <dsp:nvSpPr>
+        <dsp:cNvPr id="0" name=""/>
+        <dsp:cNvSpPr/>
+      </dsp:nvSpPr>
+      <dsp:spPr>
+        <a:xfrm>
+          <a:off x="503372" y="1466274"/>
+          <a:ext cx="181582" cy="1416347"/>
+        </a:xfrm>
+        <a:custGeom>
+          <a:avLst/>
+          <a:gdLst/>
+          <a:ahLst/>
+          <a:cxnLst/>
+          <a:rect l="0" t="0" r="0" b="0"/>
+          <a:pathLst>
+            <a:path>
+              <a:moveTo>
+                <a:pt x="0" y="0"/>
+              </a:moveTo>
+              <a:lnTo>
+                <a:pt x="0" y="1416347"/>
+              </a:lnTo>
+              <a:lnTo>
+                <a:pt x="181582" y="1416347"/>
+              </a:lnTo>
+            </a:path>
+          </a:pathLst>
+        </a:custGeom>
+        <a:noFill/>
+        <a:ln w="12700" cap="flat" cmpd="sng" algn="ctr">
+          <a:solidFill>
+            <a:schemeClr val="accent1">
+              <a:tint val="70000"/>
+              <a:hueOff val="0"/>
+              <a:satOff val="0"/>
+              <a:lumOff val="0"/>
+              <a:alphaOff val="0"/>
+            </a:schemeClr>
+          </a:solidFill>
+          <a:prstDash val="solid"/>
+          <a:miter lim="800000"/>
+        </a:ln>
+        <a:effectLst/>
+      </dsp:spPr>
+      <dsp:style>
+        <a:lnRef idx="2">
+          <a:scrgbClr r="0" g="0" b="0"/>
+        </a:lnRef>
+        <a:fillRef idx="0">
+          <a:scrgbClr r="0" g="0" b="0"/>
+        </a:fillRef>
+        <a:effectRef idx="0">
+          <a:scrgbClr r="0" g="0" b="0"/>
+        </a:effectRef>
+        <a:fontRef idx="minor"/>
+      </dsp:style>
+    </dsp:sp>
+    <dsp:sp modelId="{9E08D0E7-6020-4C26-9B68-DE824E769769}">
+      <dsp:nvSpPr>
+        <dsp:cNvPr id="0" name=""/>
+        <dsp:cNvSpPr/>
+      </dsp:nvSpPr>
+      <dsp:spPr>
+        <a:xfrm>
+          <a:off x="503372" y="1466274"/>
+          <a:ext cx="181582" cy="556854"/>
+        </a:xfrm>
+        <a:custGeom>
+          <a:avLst/>
+          <a:gdLst/>
+          <a:ahLst/>
+          <a:cxnLst/>
+          <a:rect l="0" t="0" r="0" b="0"/>
+          <a:pathLst>
+            <a:path>
+              <a:moveTo>
+                <a:pt x="0" y="0"/>
+              </a:moveTo>
+              <a:lnTo>
+                <a:pt x="0" y="556854"/>
+              </a:lnTo>
+              <a:lnTo>
+                <a:pt x="181582" y="556854"/>
+              </a:lnTo>
+            </a:path>
+          </a:pathLst>
+        </a:custGeom>
+        <a:noFill/>
+        <a:ln w="12700" cap="flat" cmpd="sng" algn="ctr">
+          <a:solidFill>
+            <a:schemeClr val="accent1">
+              <a:tint val="70000"/>
+              <a:hueOff val="0"/>
+              <a:satOff val="0"/>
+              <a:lumOff val="0"/>
+              <a:alphaOff val="0"/>
+            </a:schemeClr>
+          </a:solidFill>
+          <a:prstDash val="solid"/>
+          <a:miter lim="800000"/>
+        </a:ln>
+        <a:effectLst/>
+      </dsp:spPr>
+      <dsp:style>
+        <a:lnRef idx="2">
+          <a:scrgbClr r="0" g="0" b="0"/>
+        </a:lnRef>
+        <a:fillRef idx="0">
+          <a:scrgbClr r="0" g="0" b="0"/>
+        </a:fillRef>
+        <a:effectRef idx="0">
+          <a:scrgbClr r="0" g="0" b="0"/>
+        </a:effectRef>
+        <a:fontRef idx="minor"/>
+      </dsp:style>
+    </dsp:sp>
+    <dsp:sp modelId="{61CA1B86-8218-4D48-97F3-0AEB07B8BAED}">
+      <dsp:nvSpPr>
+        <dsp:cNvPr id="0" name=""/>
+        <dsp:cNvSpPr/>
+      </dsp:nvSpPr>
+      <dsp:spPr>
+        <a:xfrm>
+          <a:off x="987594" y="606781"/>
+          <a:ext cx="2929538" cy="254216"/>
+        </a:xfrm>
+        <a:custGeom>
+          <a:avLst/>
+          <a:gdLst/>
+          <a:ahLst/>
+          <a:cxnLst/>
+          <a:rect l="0" t="0" r="0" b="0"/>
+          <a:pathLst>
+            <a:path>
+              <a:moveTo>
+                <a:pt x="2929538" y="0"/>
+              </a:moveTo>
+              <a:lnTo>
+                <a:pt x="2929538" y="127108"/>
+              </a:lnTo>
+              <a:lnTo>
+                <a:pt x="0" y="127108"/>
+              </a:lnTo>
+              <a:lnTo>
+                <a:pt x="0" y="254216"/>
               </a:lnTo>
             </a:path>
           </a:pathLst>
@@ -3620,661 +4141,6 @@
         <a:fontRef idx="minor"/>
       </dsp:style>
     </dsp:sp>
-    <dsp:sp modelId="{C60C8372-6B49-4F93-A5A9-FE3C3EC39F17}">
-      <dsp:nvSpPr>
-        <dsp:cNvPr id="0" name=""/>
-        <dsp:cNvSpPr/>
-      </dsp:nvSpPr>
-      <dsp:spPr>
-        <a:xfrm>
-          <a:off x="3011934" y="1465989"/>
-          <a:ext cx="181610" cy="2276191"/>
-        </a:xfrm>
-        <a:custGeom>
-          <a:avLst/>
-          <a:gdLst/>
-          <a:ahLst/>
-          <a:cxnLst/>
-          <a:rect l="0" t="0" r="0" b="0"/>
-          <a:pathLst>
-            <a:path>
-              <a:moveTo>
-                <a:pt x="0" y="0"/>
-              </a:moveTo>
-              <a:lnTo>
-                <a:pt x="0" y="2276191"/>
-              </a:lnTo>
-              <a:lnTo>
-                <a:pt x="181610" y="2276191"/>
-              </a:lnTo>
-            </a:path>
-          </a:pathLst>
-        </a:custGeom>
-        <a:noFill/>
-        <a:ln w="12700" cap="flat" cmpd="sng" algn="ctr">
-          <a:solidFill>
-            <a:schemeClr val="accent1">
-              <a:tint val="70000"/>
-              <a:hueOff val="0"/>
-              <a:satOff val="0"/>
-              <a:lumOff val="0"/>
-              <a:alphaOff val="0"/>
-            </a:schemeClr>
-          </a:solidFill>
-          <a:prstDash val="solid"/>
-          <a:miter lim="800000"/>
-        </a:ln>
-        <a:effectLst/>
-      </dsp:spPr>
-      <dsp:style>
-        <a:lnRef idx="2">
-          <a:scrgbClr r="0" g="0" b="0"/>
-        </a:lnRef>
-        <a:fillRef idx="0">
-          <a:scrgbClr r="0" g="0" b="0"/>
-        </a:fillRef>
-        <a:effectRef idx="0">
-          <a:scrgbClr r="0" g="0" b="0"/>
-        </a:effectRef>
-        <a:fontRef idx="minor"/>
-      </dsp:style>
-    </dsp:sp>
-    <dsp:sp modelId="{EB6D02BF-BE66-4CD4-B79E-D53BD21DCDAA}">
-      <dsp:nvSpPr>
-        <dsp:cNvPr id="0" name=""/>
-        <dsp:cNvSpPr/>
-      </dsp:nvSpPr>
-      <dsp:spPr>
-        <a:xfrm>
-          <a:off x="3011934" y="1465989"/>
-          <a:ext cx="181610" cy="1416565"/>
-        </a:xfrm>
-        <a:custGeom>
-          <a:avLst/>
-          <a:gdLst/>
-          <a:ahLst/>
-          <a:cxnLst/>
-          <a:rect l="0" t="0" r="0" b="0"/>
-          <a:pathLst>
-            <a:path>
-              <a:moveTo>
-                <a:pt x="0" y="0"/>
-              </a:moveTo>
-              <a:lnTo>
-                <a:pt x="0" y="1416565"/>
-              </a:lnTo>
-              <a:lnTo>
-                <a:pt x="181610" y="1416565"/>
-              </a:lnTo>
-            </a:path>
-          </a:pathLst>
-        </a:custGeom>
-        <a:noFill/>
-        <a:ln w="12700" cap="flat" cmpd="sng" algn="ctr">
-          <a:solidFill>
-            <a:schemeClr val="accent1">
-              <a:tint val="70000"/>
-              <a:hueOff val="0"/>
-              <a:satOff val="0"/>
-              <a:lumOff val="0"/>
-              <a:alphaOff val="0"/>
-            </a:schemeClr>
-          </a:solidFill>
-          <a:prstDash val="solid"/>
-          <a:miter lim="800000"/>
-        </a:ln>
-        <a:effectLst/>
-      </dsp:spPr>
-      <dsp:style>
-        <a:lnRef idx="2">
-          <a:scrgbClr r="0" g="0" b="0"/>
-        </a:lnRef>
-        <a:fillRef idx="0">
-          <a:scrgbClr r="0" g="0" b="0"/>
-        </a:fillRef>
-        <a:effectRef idx="0">
-          <a:scrgbClr r="0" g="0" b="0"/>
-        </a:effectRef>
-        <a:fontRef idx="minor"/>
-      </dsp:style>
-    </dsp:sp>
-    <dsp:sp modelId="{116C9052-AECA-4678-B0F0-07767242B5CD}">
-      <dsp:nvSpPr>
-        <dsp:cNvPr id="0" name=""/>
-        <dsp:cNvSpPr/>
-      </dsp:nvSpPr>
-      <dsp:spPr>
-        <a:xfrm>
-          <a:off x="3011934" y="1465989"/>
-          <a:ext cx="181610" cy="556940"/>
-        </a:xfrm>
-        <a:custGeom>
-          <a:avLst/>
-          <a:gdLst/>
-          <a:ahLst/>
-          <a:cxnLst/>
-          <a:rect l="0" t="0" r="0" b="0"/>
-          <a:pathLst>
-            <a:path>
-              <a:moveTo>
-                <a:pt x="0" y="0"/>
-              </a:moveTo>
-              <a:lnTo>
-                <a:pt x="0" y="556940"/>
-              </a:lnTo>
-              <a:lnTo>
-                <a:pt x="181610" y="556940"/>
-              </a:lnTo>
-            </a:path>
-          </a:pathLst>
-        </a:custGeom>
-        <a:noFill/>
-        <a:ln w="12700" cap="flat" cmpd="sng" algn="ctr">
-          <a:solidFill>
-            <a:schemeClr val="accent1">
-              <a:tint val="70000"/>
-              <a:hueOff val="0"/>
-              <a:satOff val="0"/>
-              <a:lumOff val="0"/>
-              <a:alphaOff val="0"/>
-            </a:schemeClr>
-          </a:solidFill>
-          <a:prstDash val="solid"/>
-          <a:miter lim="800000"/>
-        </a:ln>
-        <a:effectLst/>
-      </dsp:spPr>
-      <dsp:style>
-        <a:lnRef idx="2">
-          <a:scrgbClr r="0" g="0" b="0"/>
-        </a:lnRef>
-        <a:fillRef idx="0">
-          <a:scrgbClr r="0" g="0" b="0"/>
-        </a:fillRef>
-        <a:effectRef idx="0">
-          <a:scrgbClr r="0" g="0" b="0"/>
-        </a:effectRef>
-        <a:fontRef idx="minor"/>
-      </dsp:style>
-    </dsp:sp>
-    <dsp:sp modelId="{1C12B50E-4550-4B3A-8143-E5D7381C3903}">
-      <dsp:nvSpPr>
-        <dsp:cNvPr id="0" name=""/>
-        <dsp:cNvSpPr/>
-      </dsp:nvSpPr>
-      <dsp:spPr>
-        <a:xfrm>
-          <a:off x="3496230" y="606364"/>
-          <a:ext cx="1464995" cy="254255"/>
-        </a:xfrm>
-        <a:custGeom>
-          <a:avLst/>
-          <a:gdLst/>
-          <a:ahLst/>
-          <a:cxnLst/>
-          <a:rect l="0" t="0" r="0" b="0"/>
-          <a:pathLst>
-            <a:path>
-              <a:moveTo>
-                <a:pt x="1464995" y="0"/>
-              </a:moveTo>
-              <a:lnTo>
-                <a:pt x="1464995" y="127127"/>
-              </a:lnTo>
-              <a:lnTo>
-                <a:pt x="0" y="127127"/>
-              </a:lnTo>
-              <a:lnTo>
-                <a:pt x="0" y="254255"/>
-              </a:lnTo>
-            </a:path>
-          </a:pathLst>
-        </a:custGeom>
-        <a:noFill/>
-        <a:ln w="12700" cap="flat" cmpd="sng" algn="ctr">
-          <a:solidFill>
-            <a:schemeClr val="accent1">
-              <a:tint val="90000"/>
-              <a:hueOff val="0"/>
-              <a:satOff val="0"/>
-              <a:lumOff val="0"/>
-              <a:alphaOff val="0"/>
-            </a:schemeClr>
-          </a:solidFill>
-          <a:prstDash val="solid"/>
-          <a:miter lim="800000"/>
-        </a:ln>
-        <a:effectLst/>
-      </dsp:spPr>
-      <dsp:style>
-        <a:lnRef idx="2">
-          <a:scrgbClr r="0" g="0" b="0"/>
-        </a:lnRef>
-        <a:fillRef idx="0">
-          <a:scrgbClr r="0" g="0" b="0"/>
-        </a:fillRef>
-        <a:effectRef idx="0">
-          <a:scrgbClr r="0" g="0" b="0"/>
-        </a:effectRef>
-        <a:fontRef idx="minor"/>
-      </dsp:style>
-    </dsp:sp>
-    <dsp:sp modelId="{9A5F49FC-0530-4B4A-BDC8-3676EE47D6CD}">
-      <dsp:nvSpPr>
-        <dsp:cNvPr id="0" name=""/>
-        <dsp:cNvSpPr/>
-      </dsp:nvSpPr>
-      <dsp:spPr>
-        <a:xfrm>
-          <a:off x="1546938" y="1465989"/>
-          <a:ext cx="181610" cy="4855067"/>
-        </a:xfrm>
-        <a:custGeom>
-          <a:avLst/>
-          <a:gdLst/>
-          <a:ahLst/>
-          <a:cxnLst/>
-          <a:rect l="0" t="0" r="0" b="0"/>
-          <a:pathLst>
-            <a:path>
-              <a:moveTo>
-                <a:pt x="0" y="0"/>
-              </a:moveTo>
-              <a:lnTo>
-                <a:pt x="0" y="4855067"/>
-              </a:lnTo>
-              <a:lnTo>
-                <a:pt x="181610" y="4855067"/>
-              </a:lnTo>
-            </a:path>
-          </a:pathLst>
-        </a:custGeom>
-        <a:noFill/>
-        <a:ln w="12700" cap="flat" cmpd="sng" algn="ctr">
-          <a:solidFill>
-            <a:schemeClr val="accent1">
-              <a:tint val="70000"/>
-              <a:hueOff val="0"/>
-              <a:satOff val="0"/>
-              <a:lumOff val="0"/>
-              <a:alphaOff val="0"/>
-            </a:schemeClr>
-          </a:solidFill>
-          <a:prstDash val="solid"/>
-          <a:miter lim="800000"/>
-        </a:ln>
-        <a:effectLst/>
-      </dsp:spPr>
-      <dsp:style>
-        <a:lnRef idx="2">
-          <a:scrgbClr r="0" g="0" b="0"/>
-        </a:lnRef>
-        <a:fillRef idx="0">
-          <a:scrgbClr r="0" g="0" b="0"/>
-        </a:fillRef>
-        <a:effectRef idx="0">
-          <a:scrgbClr r="0" g="0" b="0"/>
-        </a:effectRef>
-        <a:fontRef idx="minor"/>
-      </dsp:style>
-    </dsp:sp>
-    <dsp:sp modelId="{6D3FABDB-E9C8-4715-8A66-A176220C1474}">
-      <dsp:nvSpPr>
-        <dsp:cNvPr id="0" name=""/>
-        <dsp:cNvSpPr/>
-      </dsp:nvSpPr>
-      <dsp:spPr>
-        <a:xfrm>
-          <a:off x="1546938" y="1465989"/>
-          <a:ext cx="181610" cy="3995441"/>
-        </a:xfrm>
-        <a:custGeom>
-          <a:avLst/>
-          <a:gdLst/>
-          <a:ahLst/>
-          <a:cxnLst/>
-          <a:rect l="0" t="0" r="0" b="0"/>
-          <a:pathLst>
-            <a:path>
-              <a:moveTo>
-                <a:pt x="0" y="0"/>
-              </a:moveTo>
-              <a:lnTo>
-                <a:pt x="0" y="3995441"/>
-              </a:lnTo>
-              <a:lnTo>
-                <a:pt x="181610" y="3995441"/>
-              </a:lnTo>
-            </a:path>
-          </a:pathLst>
-        </a:custGeom>
-        <a:noFill/>
-        <a:ln w="12700" cap="flat" cmpd="sng" algn="ctr">
-          <a:solidFill>
-            <a:schemeClr val="accent1">
-              <a:tint val="70000"/>
-              <a:hueOff val="0"/>
-              <a:satOff val="0"/>
-              <a:lumOff val="0"/>
-              <a:alphaOff val="0"/>
-            </a:schemeClr>
-          </a:solidFill>
-          <a:prstDash val="solid"/>
-          <a:miter lim="800000"/>
-        </a:ln>
-        <a:effectLst/>
-      </dsp:spPr>
-      <dsp:style>
-        <a:lnRef idx="2">
-          <a:scrgbClr r="0" g="0" b="0"/>
-        </a:lnRef>
-        <a:fillRef idx="0">
-          <a:scrgbClr r="0" g="0" b="0"/>
-        </a:fillRef>
-        <a:effectRef idx="0">
-          <a:scrgbClr r="0" g="0" b="0"/>
-        </a:effectRef>
-        <a:fontRef idx="minor"/>
-      </dsp:style>
-    </dsp:sp>
-    <dsp:sp modelId="{A3367004-3411-447F-ADA7-25BA0E17F5F9}">
-      <dsp:nvSpPr>
-        <dsp:cNvPr id="0" name=""/>
-        <dsp:cNvSpPr/>
-      </dsp:nvSpPr>
-      <dsp:spPr>
-        <a:xfrm>
-          <a:off x="1546938" y="1465989"/>
-          <a:ext cx="181610" cy="3135816"/>
-        </a:xfrm>
-        <a:custGeom>
-          <a:avLst/>
-          <a:gdLst/>
-          <a:ahLst/>
-          <a:cxnLst/>
-          <a:rect l="0" t="0" r="0" b="0"/>
-          <a:pathLst>
-            <a:path>
-              <a:moveTo>
-                <a:pt x="0" y="0"/>
-              </a:moveTo>
-              <a:lnTo>
-                <a:pt x="0" y="3135816"/>
-              </a:lnTo>
-              <a:lnTo>
-                <a:pt x="181610" y="3135816"/>
-              </a:lnTo>
-            </a:path>
-          </a:pathLst>
-        </a:custGeom>
-        <a:noFill/>
-        <a:ln w="12700" cap="flat" cmpd="sng" algn="ctr">
-          <a:solidFill>
-            <a:schemeClr val="accent1">
-              <a:tint val="70000"/>
-              <a:hueOff val="0"/>
-              <a:satOff val="0"/>
-              <a:lumOff val="0"/>
-              <a:alphaOff val="0"/>
-            </a:schemeClr>
-          </a:solidFill>
-          <a:prstDash val="solid"/>
-          <a:miter lim="800000"/>
-        </a:ln>
-        <a:effectLst/>
-      </dsp:spPr>
-      <dsp:style>
-        <a:lnRef idx="2">
-          <a:scrgbClr r="0" g="0" b="0"/>
-        </a:lnRef>
-        <a:fillRef idx="0">
-          <a:scrgbClr r="0" g="0" b="0"/>
-        </a:fillRef>
-        <a:effectRef idx="0">
-          <a:scrgbClr r="0" g="0" b="0"/>
-        </a:effectRef>
-        <a:fontRef idx="minor"/>
-      </dsp:style>
-    </dsp:sp>
-    <dsp:sp modelId="{F5EB4AED-B363-4527-8485-833374823681}">
-      <dsp:nvSpPr>
-        <dsp:cNvPr id="0" name=""/>
-        <dsp:cNvSpPr/>
-      </dsp:nvSpPr>
-      <dsp:spPr>
-        <a:xfrm>
-          <a:off x="1546938" y="1465989"/>
-          <a:ext cx="181610" cy="2276191"/>
-        </a:xfrm>
-        <a:custGeom>
-          <a:avLst/>
-          <a:gdLst/>
-          <a:ahLst/>
-          <a:cxnLst/>
-          <a:rect l="0" t="0" r="0" b="0"/>
-          <a:pathLst>
-            <a:path>
-              <a:moveTo>
-                <a:pt x="0" y="0"/>
-              </a:moveTo>
-              <a:lnTo>
-                <a:pt x="0" y="2276191"/>
-              </a:lnTo>
-              <a:lnTo>
-                <a:pt x="181610" y="2276191"/>
-              </a:lnTo>
-            </a:path>
-          </a:pathLst>
-        </a:custGeom>
-        <a:noFill/>
-        <a:ln w="12700" cap="flat" cmpd="sng" algn="ctr">
-          <a:solidFill>
-            <a:schemeClr val="accent1">
-              <a:tint val="70000"/>
-              <a:hueOff val="0"/>
-              <a:satOff val="0"/>
-              <a:lumOff val="0"/>
-              <a:alphaOff val="0"/>
-            </a:schemeClr>
-          </a:solidFill>
-          <a:prstDash val="solid"/>
-          <a:miter lim="800000"/>
-        </a:ln>
-        <a:effectLst/>
-      </dsp:spPr>
-      <dsp:style>
-        <a:lnRef idx="2">
-          <a:scrgbClr r="0" g="0" b="0"/>
-        </a:lnRef>
-        <a:fillRef idx="0">
-          <a:scrgbClr r="0" g="0" b="0"/>
-        </a:fillRef>
-        <a:effectRef idx="0">
-          <a:scrgbClr r="0" g="0" b="0"/>
-        </a:effectRef>
-        <a:fontRef idx="minor"/>
-      </dsp:style>
-    </dsp:sp>
-    <dsp:sp modelId="{1ADA2844-7F9E-46E1-A85D-F11FB1993F6F}">
-      <dsp:nvSpPr>
-        <dsp:cNvPr id="0" name=""/>
-        <dsp:cNvSpPr/>
-      </dsp:nvSpPr>
-      <dsp:spPr>
-        <a:xfrm>
-          <a:off x="1546938" y="1465989"/>
-          <a:ext cx="181610" cy="1416565"/>
-        </a:xfrm>
-        <a:custGeom>
-          <a:avLst/>
-          <a:gdLst/>
-          <a:ahLst/>
-          <a:cxnLst/>
-          <a:rect l="0" t="0" r="0" b="0"/>
-          <a:pathLst>
-            <a:path>
-              <a:moveTo>
-                <a:pt x="0" y="0"/>
-              </a:moveTo>
-              <a:lnTo>
-                <a:pt x="0" y="1416565"/>
-              </a:lnTo>
-              <a:lnTo>
-                <a:pt x="181610" y="1416565"/>
-              </a:lnTo>
-            </a:path>
-          </a:pathLst>
-        </a:custGeom>
-        <a:noFill/>
-        <a:ln w="12700" cap="flat" cmpd="sng" algn="ctr">
-          <a:solidFill>
-            <a:schemeClr val="accent1">
-              <a:tint val="70000"/>
-              <a:hueOff val="0"/>
-              <a:satOff val="0"/>
-              <a:lumOff val="0"/>
-              <a:alphaOff val="0"/>
-            </a:schemeClr>
-          </a:solidFill>
-          <a:prstDash val="solid"/>
-          <a:miter lim="800000"/>
-        </a:ln>
-        <a:effectLst/>
-      </dsp:spPr>
-      <dsp:style>
-        <a:lnRef idx="2">
-          <a:scrgbClr r="0" g="0" b="0"/>
-        </a:lnRef>
-        <a:fillRef idx="0">
-          <a:scrgbClr r="0" g="0" b="0"/>
-        </a:fillRef>
-        <a:effectRef idx="0">
-          <a:scrgbClr r="0" g="0" b="0"/>
-        </a:effectRef>
-        <a:fontRef idx="minor"/>
-      </dsp:style>
-    </dsp:sp>
-    <dsp:sp modelId="{9E08D0E7-6020-4C26-9B68-DE824E769769}">
-      <dsp:nvSpPr>
-        <dsp:cNvPr id="0" name=""/>
-        <dsp:cNvSpPr/>
-      </dsp:nvSpPr>
-      <dsp:spPr>
-        <a:xfrm>
-          <a:off x="1546938" y="1465989"/>
-          <a:ext cx="181610" cy="556940"/>
-        </a:xfrm>
-        <a:custGeom>
-          <a:avLst/>
-          <a:gdLst/>
-          <a:ahLst/>
-          <a:cxnLst/>
-          <a:rect l="0" t="0" r="0" b="0"/>
-          <a:pathLst>
-            <a:path>
-              <a:moveTo>
-                <a:pt x="0" y="0"/>
-              </a:moveTo>
-              <a:lnTo>
-                <a:pt x="0" y="556940"/>
-              </a:lnTo>
-              <a:lnTo>
-                <a:pt x="181610" y="556940"/>
-              </a:lnTo>
-            </a:path>
-          </a:pathLst>
-        </a:custGeom>
-        <a:noFill/>
-        <a:ln w="12700" cap="flat" cmpd="sng" algn="ctr">
-          <a:solidFill>
-            <a:schemeClr val="accent1">
-              <a:tint val="70000"/>
-              <a:hueOff val="0"/>
-              <a:satOff val="0"/>
-              <a:lumOff val="0"/>
-              <a:alphaOff val="0"/>
-            </a:schemeClr>
-          </a:solidFill>
-          <a:prstDash val="solid"/>
-          <a:miter lim="800000"/>
-        </a:ln>
-        <a:effectLst/>
-      </dsp:spPr>
-      <dsp:style>
-        <a:lnRef idx="2">
-          <a:scrgbClr r="0" g="0" b="0"/>
-        </a:lnRef>
-        <a:fillRef idx="0">
-          <a:scrgbClr r="0" g="0" b="0"/>
-        </a:fillRef>
-        <a:effectRef idx="0">
-          <a:scrgbClr r="0" g="0" b="0"/>
-        </a:effectRef>
-        <a:fontRef idx="minor"/>
-      </dsp:style>
-    </dsp:sp>
-    <dsp:sp modelId="{61CA1B86-8218-4D48-97F3-0AEB07B8BAED}">
-      <dsp:nvSpPr>
-        <dsp:cNvPr id="0" name=""/>
-        <dsp:cNvSpPr/>
-      </dsp:nvSpPr>
-      <dsp:spPr>
-        <a:xfrm>
-          <a:off x="2031234" y="606364"/>
-          <a:ext cx="2929990" cy="254255"/>
-        </a:xfrm>
-        <a:custGeom>
-          <a:avLst/>
-          <a:gdLst/>
-          <a:ahLst/>
-          <a:cxnLst/>
-          <a:rect l="0" t="0" r="0" b="0"/>
-          <a:pathLst>
-            <a:path>
-              <a:moveTo>
-                <a:pt x="2929990" y="0"/>
-              </a:moveTo>
-              <a:lnTo>
-                <a:pt x="2929990" y="127127"/>
-              </a:lnTo>
-              <a:lnTo>
-                <a:pt x="0" y="127127"/>
-              </a:lnTo>
-              <a:lnTo>
-                <a:pt x="0" y="254255"/>
-              </a:lnTo>
-            </a:path>
-          </a:pathLst>
-        </a:custGeom>
-        <a:noFill/>
-        <a:ln w="12700" cap="flat" cmpd="sng" algn="ctr">
-          <a:solidFill>
-            <a:schemeClr val="accent1">
-              <a:tint val="90000"/>
-              <a:hueOff val="0"/>
-              <a:satOff val="0"/>
-              <a:lumOff val="0"/>
-              <a:alphaOff val="0"/>
-            </a:schemeClr>
-          </a:solidFill>
-          <a:prstDash val="solid"/>
-          <a:miter lim="800000"/>
-        </a:ln>
-        <a:effectLst/>
-      </dsp:spPr>
-      <dsp:style>
-        <a:lnRef idx="2">
-          <a:scrgbClr r="0" g="0" b="0"/>
-        </a:lnRef>
-        <a:fillRef idx="0">
-          <a:scrgbClr r="0" g="0" b="0"/>
-        </a:fillRef>
-        <a:effectRef idx="0">
-          <a:scrgbClr r="0" g="0" b="0"/>
-        </a:effectRef>
-        <a:fontRef idx="minor"/>
-      </dsp:style>
-    </dsp:sp>
     <dsp:sp modelId="{39B6B88E-B3F8-45C9-96AD-FED054BF07DD}">
       <dsp:nvSpPr>
         <dsp:cNvPr id="0" name=""/>
@@ -4282,8 +4148,8 @@
       </dsp:nvSpPr>
       <dsp:spPr>
         <a:xfrm>
-          <a:off x="4355855" y="994"/>
-          <a:ext cx="1210739" cy="605369"/>
+          <a:off x="3311856" y="1505"/>
+          <a:ext cx="1210553" cy="605276"/>
         </a:xfrm>
         <a:prstGeom prst="rect">
           <a:avLst/>
@@ -4350,8 +4216,8 @@
         </a:p>
       </dsp:txBody>
       <dsp:txXfrm>
-        <a:off x="4355855" y="994"/>
-        <a:ext cx="1210739" cy="605369"/>
+        <a:off x="3311856" y="1505"/>
+        <a:ext cx="1210553" cy="605276"/>
       </dsp:txXfrm>
     </dsp:sp>
     <dsp:sp modelId="{939D9BC1-713F-45D5-A5C9-FC8A09453380}">
@@ -4361,8 +4227,8 @@
       </dsp:nvSpPr>
       <dsp:spPr>
         <a:xfrm>
-          <a:off x="1425864" y="860619"/>
-          <a:ext cx="1210739" cy="605369"/>
+          <a:off x="382317" y="860997"/>
+          <a:ext cx="1210553" cy="605276"/>
         </a:xfrm>
         <a:prstGeom prst="rect">
           <a:avLst/>
@@ -4429,8 +4295,8 @@
         </a:p>
       </dsp:txBody>
       <dsp:txXfrm>
-        <a:off x="1425864" y="860619"/>
-        <a:ext cx="1210739" cy="605369"/>
+        <a:off x="382317" y="860997"/>
+        <a:ext cx="1210553" cy="605276"/>
       </dsp:txXfrm>
     </dsp:sp>
     <dsp:sp modelId="{BA84CC7E-DEE1-4BC9-A829-99FFE657F958}">
@@ -4440,8 +4306,8 @@
       </dsp:nvSpPr>
       <dsp:spPr>
         <a:xfrm>
-          <a:off x="1728549" y="1720244"/>
-          <a:ext cx="1210739" cy="605369"/>
+          <a:off x="684955" y="1720490"/>
+          <a:ext cx="1210553" cy="605276"/>
         </a:xfrm>
         <a:prstGeom prst="rect">
           <a:avLst/>
@@ -4508,8 +4374,8 @@
         </a:p>
       </dsp:txBody>
       <dsp:txXfrm>
-        <a:off x="1728549" y="1720244"/>
-        <a:ext cx="1210739" cy="605369"/>
+        <a:off x="684955" y="1720490"/>
+        <a:ext cx="1210553" cy="605276"/>
       </dsp:txXfrm>
     </dsp:sp>
     <dsp:sp modelId="{5BD3E6E6-47B8-45C2-A8A6-C2240E31FCFA}">
@@ -4519,8 +4385,8 @@
       </dsp:nvSpPr>
       <dsp:spPr>
         <a:xfrm>
-          <a:off x="1728549" y="2579870"/>
-          <a:ext cx="1210739" cy="605369"/>
+          <a:off x="684955" y="2579983"/>
+          <a:ext cx="1210553" cy="605276"/>
         </a:xfrm>
         <a:prstGeom prst="rect">
           <a:avLst/>
@@ -4603,8 +4469,8 @@
         </a:p>
       </dsp:txBody>
       <dsp:txXfrm>
-        <a:off x="1728549" y="2579870"/>
-        <a:ext cx="1210739" cy="605369"/>
+        <a:off x="684955" y="2579983"/>
+        <a:ext cx="1210553" cy="605276"/>
       </dsp:txXfrm>
     </dsp:sp>
     <dsp:sp modelId="{620968F6-DB99-432E-9DD4-B2FFB5B16ADC}">
@@ -4614,8 +4480,8 @@
       </dsp:nvSpPr>
       <dsp:spPr>
         <a:xfrm>
-          <a:off x="1728549" y="3439495"/>
-          <a:ext cx="1210739" cy="605369"/>
+          <a:off x="684955" y="3439476"/>
+          <a:ext cx="1210553" cy="605276"/>
         </a:xfrm>
         <a:prstGeom prst="rect">
           <a:avLst/>
@@ -4682,8 +4548,8 @@
         </a:p>
       </dsp:txBody>
       <dsp:txXfrm>
-        <a:off x="1728549" y="3439495"/>
-        <a:ext cx="1210739" cy="605369"/>
+        <a:off x="684955" y="3439476"/>
+        <a:ext cx="1210553" cy="605276"/>
       </dsp:txXfrm>
     </dsp:sp>
     <dsp:sp modelId="{8FF2C917-050C-4A66-B0DD-DF2A15DD9C49}">
@@ -4693,8 +4559,8 @@
       </dsp:nvSpPr>
       <dsp:spPr>
         <a:xfrm>
-          <a:off x="1728549" y="4299121"/>
-          <a:ext cx="1210739" cy="605369"/>
+          <a:off x="684955" y="4298968"/>
+          <a:ext cx="1210553" cy="605276"/>
         </a:xfrm>
         <a:prstGeom prst="rect">
           <a:avLst/>
@@ -4761,8 +4627,8 @@
         </a:p>
       </dsp:txBody>
       <dsp:txXfrm>
-        <a:off x="1728549" y="4299121"/>
-        <a:ext cx="1210739" cy="605369"/>
+        <a:off x="684955" y="4298968"/>
+        <a:ext cx="1210553" cy="605276"/>
       </dsp:txXfrm>
     </dsp:sp>
     <dsp:sp modelId="{664E2B40-B637-4EFA-AA55-3731567786B2}">
@@ -4772,8 +4638,8 @@
       </dsp:nvSpPr>
       <dsp:spPr>
         <a:xfrm>
-          <a:off x="1728549" y="5158746"/>
-          <a:ext cx="1210739" cy="605369"/>
+          <a:off x="684955" y="5158461"/>
+          <a:ext cx="1210553" cy="605276"/>
         </a:xfrm>
         <a:prstGeom prst="rect">
           <a:avLst/>
@@ -4840,8 +4706,8 @@
         </a:p>
       </dsp:txBody>
       <dsp:txXfrm>
-        <a:off x="1728549" y="5158746"/>
-        <a:ext cx="1210739" cy="605369"/>
+        <a:off x="684955" y="5158461"/>
+        <a:ext cx="1210553" cy="605276"/>
       </dsp:txXfrm>
     </dsp:sp>
     <dsp:sp modelId="{02302E96-350E-4F9F-8E9E-F86E00C1D639}">
@@ -4851,8 +4717,8 @@
       </dsp:nvSpPr>
       <dsp:spPr>
         <a:xfrm>
-          <a:off x="1728549" y="6018371"/>
-          <a:ext cx="1210739" cy="605369"/>
+          <a:off x="684955" y="6017954"/>
+          <a:ext cx="1210553" cy="605276"/>
         </a:xfrm>
         <a:prstGeom prst="rect">
           <a:avLst/>
@@ -4919,8 +4785,8 @@
         </a:p>
       </dsp:txBody>
       <dsp:txXfrm>
-        <a:off x="1728549" y="6018371"/>
-        <a:ext cx="1210739" cy="605369"/>
+        <a:off x="684955" y="6017954"/>
+        <a:ext cx="1210553" cy="605276"/>
       </dsp:txXfrm>
     </dsp:sp>
     <dsp:sp modelId="{792E8498-8955-4232-974A-197AF8F46157}">
@@ -4930,8 +4796,8 @@
       </dsp:nvSpPr>
       <dsp:spPr>
         <a:xfrm>
-          <a:off x="2890860" y="860619"/>
-          <a:ext cx="1210739" cy="605369"/>
+          <a:off x="1847086" y="860997"/>
+          <a:ext cx="1210553" cy="605276"/>
         </a:xfrm>
         <a:prstGeom prst="rect">
           <a:avLst/>
@@ -4998,8 +4864,8 @@
         </a:p>
       </dsp:txBody>
       <dsp:txXfrm>
-        <a:off x="2890860" y="860619"/>
-        <a:ext cx="1210739" cy="605369"/>
+        <a:off x="1847086" y="860997"/>
+        <a:ext cx="1210553" cy="605276"/>
       </dsp:txXfrm>
     </dsp:sp>
     <dsp:sp modelId="{483EC8A8-5BE5-4DB0-AC11-07CB05115FF1}">
@@ -5009,8 +4875,8 @@
       </dsp:nvSpPr>
       <dsp:spPr>
         <a:xfrm>
-          <a:off x="3193545" y="1720244"/>
-          <a:ext cx="1210739" cy="605369"/>
+          <a:off x="2149725" y="1720490"/>
+          <a:ext cx="1210553" cy="605276"/>
         </a:xfrm>
         <a:prstGeom prst="rect">
           <a:avLst/>
@@ -5077,8 +4943,8 @@
         </a:p>
       </dsp:txBody>
       <dsp:txXfrm>
-        <a:off x="3193545" y="1720244"/>
-        <a:ext cx="1210739" cy="605369"/>
+        <a:off x="2149725" y="1720490"/>
+        <a:ext cx="1210553" cy="605276"/>
       </dsp:txXfrm>
     </dsp:sp>
     <dsp:sp modelId="{322F5BF6-D9D3-44B7-8CB5-26C5C23C707A}">
@@ -5088,8 +4954,8 @@
       </dsp:nvSpPr>
       <dsp:spPr>
         <a:xfrm>
-          <a:off x="3193545" y="2579870"/>
-          <a:ext cx="1210739" cy="605369"/>
+          <a:off x="2149725" y="2579983"/>
+          <a:ext cx="1210553" cy="605276"/>
         </a:xfrm>
         <a:prstGeom prst="rect">
           <a:avLst/>
@@ -5156,8 +5022,8 @@
         </a:p>
       </dsp:txBody>
       <dsp:txXfrm>
-        <a:off x="3193545" y="2579870"/>
-        <a:ext cx="1210739" cy="605369"/>
+        <a:off x="2149725" y="2579983"/>
+        <a:ext cx="1210553" cy="605276"/>
       </dsp:txXfrm>
     </dsp:sp>
     <dsp:sp modelId="{CFB8D628-B566-4D42-A61B-EBD4E27C9376}">
@@ -5167,8 +5033,8 @@
       </dsp:nvSpPr>
       <dsp:spPr>
         <a:xfrm>
-          <a:off x="3193545" y="3439495"/>
-          <a:ext cx="1210739" cy="605369"/>
+          <a:off x="2149725" y="3439476"/>
+          <a:ext cx="1210553" cy="605276"/>
         </a:xfrm>
         <a:prstGeom prst="rect">
           <a:avLst/>
@@ -5235,8 +5101,8 @@
         </a:p>
       </dsp:txBody>
       <dsp:txXfrm>
-        <a:off x="3193545" y="3439495"/>
-        <a:ext cx="1210739" cy="605369"/>
+        <a:off x="2149725" y="3439476"/>
+        <a:ext cx="1210553" cy="605276"/>
       </dsp:txXfrm>
     </dsp:sp>
     <dsp:sp modelId="{7B1C2031-1D27-4D03-BFE9-12EEA9E4A88A}">
@@ -5246,8 +5112,8 @@
       </dsp:nvSpPr>
       <dsp:spPr>
         <a:xfrm>
-          <a:off x="4355855" y="860619"/>
-          <a:ext cx="1210739" cy="605369"/>
+          <a:off x="3311856" y="860997"/>
+          <a:ext cx="1210553" cy="605276"/>
         </a:xfrm>
         <a:prstGeom prst="rect">
           <a:avLst/>
@@ -5314,8 +5180,8 @@
         </a:p>
       </dsp:txBody>
       <dsp:txXfrm>
-        <a:off x="4355855" y="860619"/>
-        <a:ext cx="1210739" cy="605369"/>
+        <a:off x="3311856" y="860997"/>
+        <a:ext cx="1210553" cy="605276"/>
       </dsp:txXfrm>
     </dsp:sp>
     <dsp:sp modelId="{7D7BB256-0EF7-4C59-A8A3-3ADE8AFA7870}">
@@ -5325,8 +5191,8 @@
       </dsp:nvSpPr>
       <dsp:spPr>
         <a:xfrm>
-          <a:off x="4658540" y="1720244"/>
-          <a:ext cx="1210739" cy="605369"/>
+          <a:off x="3614494" y="1720490"/>
+          <a:ext cx="1210553" cy="605276"/>
         </a:xfrm>
         <a:prstGeom prst="rect">
           <a:avLst/>
@@ -5393,8 +5259,8 @@
         </a:p>
       </dsp:txBody>
       <dsp:txXfrm>
-        <a:off x="4658540" y="1720244"/>
-        <a:ext cx="1210739" cy="605369"/>
+        <a:off x="3614494" y="1720490"/>
+        <a:ext cx="1210553" cy="605276"/>
       </dsp:txXfrm>
     </dsp:sp>
     <dsp:sp modelId="{BD6A0BEC-18E9-4D5F-81CD-2EF08BBE36B5}">
@@ -5404,8 +5270,8 @@
       </dsp:nvSpPr>
       <dsp:spPr>
         <a:xfrm>
-          <a:off x="5820850" y="860619"/>
-          <a:ext cx="1210739" cy="605369"/>
+          <a:off x="4776625" y="860997"/>
+          <a:ext cx="1210553" cy="605276"/>
         </a:xfrm>
         <a:prstGeom prst="rect">
           <a:avLst/>
@@ -5472,8 +5338,8 @@
         </a:p>
       </dsp:txBody>
       <dsp:txXfrm>
-        <a:off x="5820850" y="860619"/>
-        <a:ext cx="1210739" cy="605369"/>
+        <a:off x="4776625" y="860997"/>
+        <a:ext cx="1210553" cy="605276"/>
       </dsp:txXfrm>
     </dsp:sp>
     <dsp:sp modelId="{4B1442EF-71EC-474C-A25F-85CEB83ED0C3}">
@@ -5483,8 +5349,8 @@
       </dsp:nvSpPr>
       <dsp:spPr>
         <a:xfrm>
-          <a:off x="6123535" y="1720244"/>
-          <a:ext cx="1210739" cy="605369"/>
+          <a:off x="5079263" y="1720490"/>
+          <a:ext cx="1210553" cy="605276"/>
         </a:xfrm>
         <a:prstGeom prst="rect">
           <a:avLst/>
@@ -5551,8 +5417,8 @@
         </a:p>
       </dsp:txBody>
       <dsp:txXfrm>
-        <a:off x="6123535" y="1720244"/>
-        <a:ext cx="1210739" cy="605369"/>
+        <a:off x="5079263" y="1720490"/>
+        <a:ext cx="1210553" cy="605276"/>
       </dsp:txXfrm>
     </dsp:sp>
     <dsp:sp modelId="{82C4B241-16FD-4FA5-AE19-C06CF9831DEB}">
@@ -5562,8 +5428,8 @@
       </dsp:nvSpPr>
       <dsp:spPr>
         <a:xfrm>
-          <a:off x="6123535" y="2579870"/>
-          <a:ext cx="1210739" cy="605369"/>
+          <a:off x="5079263" y="2579983"/>
+          <a:ext cx="1210553" cy="605276"/>
         </a:xfrm>
         <a:prstGeom prst="rect">
           <a:avLst/>
@@ -5630,8 +5496,8 @@
         </a:p>
       </dsp:txBody>
       <dsp:txXfrm>
-        <a:off x="6123535" y="2579870"/>
-        <a:ext cx="1210739" cy="605369"/>
+        <a:off x="5079263" y="2579983"/>
+        <a:ext cx="1210553" cy="605276"/>
       </dsp:txXfrm>
     </dsp:sp>
     <dsp:sp modelId="{EC2FD807-33A5-4EC6-BC64-F8BF46B251EA}">
@@ -5641,8 +5507,8 @@
       </dsp:nvSpPr>
       <dsp:spPr>
         <a:xfrm>
-          <a:off x="6123535" y="3439495"/>
-          <a:ext cx="1210739" cy="605369"/>
+          <a:off x="5079263" y="3439476"/>
+          <a:ext cx="1210553" cy="605276"/>
         </a:xfrm>
         <a:prstGeom prst="rect">
           <a:avLst/>
@@ -5709,8 +5575,8 @@
         </a:p>
       </dsp:txBody>
       <dsp:txXfrm>
-        <a:off x="6123535" y="3439495"/>
-        <a:ext cx="1210739" cy="605369"/>
+        <a:off x="5079263" y="3439476"/>
+        <a:ext cx="1210553" cy="605276"/>
       </dsp:txXfrm>
     </dsp:sp>
     <dsp:sp modelId="{43E77FFC-109D-475A-8D42-F1FAE5945ED9}">
@@ -5720,8 +5586,8 @@
       </dsp:nvSpPr>
       <dsp:spPr>
         <a:xfrm>
-          <a:off x="6123535" y="4299121"/>
-          <a:ext cx="1210739" cy="605369"/>
+          <a:off x="5079263" y="4298968"/>
+          <a:ext cx="1210553" cy="605276"/>
         </a:xfrm>
         <a:prstGeom prst="rect">
           <a:avLst/>
@@ -5788,8 +5654,8 @@
         </a:p>
       </dsp:txBody>
       <dsp:txXfrm>
-        <a:off x="6123535" y="4299121"/>
-        <a:ext cx="1210739" cy="605369"/>
+        <a:off x="5079263" y="4298968"/>
+        <a:ext cx="1210553" cy="605276"/>
       </dsp:txXfrm>
     </dsp:sp>
     <dsp:sp modelId="{EB6BD53C-39EF-40B4-97CE-DB3DE633B3F4}">
@@ -5799,8 +5665,8 @@
       </dsp:nvSpPr>
       <dsp:spPr>
         <a:xfrm>
-          <a:off x="7285846" y="860619"/>
-          <a:ext cx="1210739" cy="605369"/>
+          <a:off x="6241394" y="860997"/>
+          <a:ext cx="1210553" cy="605276"/>
         </a:xfrm>
         <a:prstGeom prst="rect">
           <a:avLst/>
@@ -5867,8 +5733,8 @@
         </a:p>
       </dsp:txBody>
       <dsp:txXfrm>
-        <a:off x="7285846" y="860619"/>
-        <a:ext cx="1210739" cy="605369"/>
+        <a:off x="6241394" y="860997"/>
+        <a:ext cx="1210553" cy="605276"/>
       </dsp:txXfrm>
     </dsp:sp>
     <dsp:sp modelId="{8302A625-68A8-4303-A34B-AD503C1A890E}">
@@ -5878,8 +5744,8 @@
       </dsp:nvSpPr>
       <dsp:spPr>
         <a:xfrm>
-          <a:off x="7588531" y="1720244"/>
-          <a:ext cx="1210739" cy="605369"/>
+          <a:off x="6544033" y="1720490"/>
+          <a:ext cx="1210553" cy="605276"/>
         </a:xfrm>
         <a:prstGeom prst="rect">
           <a:avLst/>
@@ -5946,8 +5812,8 @@
         </a:p>
       </dsp:txBody>
       <dsp:txXfrm>
-        <a:off x="7588531" y="1720244"/>
-        <a:ext cx="1210739" cy="605369"/>
+        <a:off x="6544033" y="1720490"/>
+        <a:ext cx="1210553" cy="605276"/>
       </dsp:txXfrm>
     </dsp:sp>
     <dsp:sp modelId="{DF262CFD-235C-46F7-B665-B2962CD15D44}">
@@ -5957,8 +5823,8 @@
       </dsp:nvSpPr>
       <dsp:spPr>
         <a:xfrm>
-          <a:off x="7588531" y="2579870"/>
-          <a:ext cx="1210739" cy="605369"/>
+          <a:off x="6544033" y="2579983"/>
+          <a:ext cx="1210553" cy="605276"/>
         </a:xfrm>
         <a:prstGeom prst="rect">
           <a:avLst/>
@@ -6020,89 +5886,18 @@
           </a:pPr>
           <a:r>
             <a:rPr lang="de-DE" sz="900" kern="1200" dirty="0"/>
-            <a:t>Faktischer Schutz technischer Systeme vor Brand, Hitze und Kälte-</a:t>
+            <a:t>Faktischer Schutz technischer Systeme vor Brand, Hitze </a:t>
           </a:r>
+          <a:r>
+            <a:rPr lang="de-DE" sz="900" kern="1200"/>
+            <a:t>und Kälte</a:t>
+          </a:r>
+          <a:endParaRPr lang="de-DE" sz="900" kern="1200" dirty="0"/>
         </a:p>
       </dsp:txBody>
       <dsp:txXfrm>
-        <a:off x="7588531" y="2579870"/>
-        <a:ext cx="1210739" cy="605369"/>
-      </dsp:txXfrm>
-    </dsp:sp>
-    <dsp:sp modelId="{94A24890-25F0-40D8-BA48-D2CDEC969AC6}">
-      <dsp:nvSpPr>
-        <dsp:cNvPr id="0" name=""/>
-        <dsp:cNvSpPr/>
-      </dsp:nvSpPr>
-      <dsp:spPr>
-        <a:xfrm>
-          <a:off x="7588531" y="3439495"/>
-          <a:ext cx="1210739" cy="605369"/>
-        </a:xfrm>
-        <a:prstGeom prst="rect">
-          <a:avLst/>
-        </a:prstGeom>
-        <a:solidFill>
-          <a:schemeClr val="accent1">
-            <a:alpha val="50000"/>
-            <a:hueOff val="0"/>
-            <a:satOff val="0"/>
-            <a:lumOff val="0"/>
-            <a:alphaOff val="0"/>
-          </a:schemeClr>
-        </a:solidFill>
-        <a:ln w="12700" cap="flat" cmpd="sng" algn="ctr">
-          <a:solidFill>
-            <a:schemeClr val="lt1">
-              <a:hueOff val="0"/>
-              <a:satOff val="0"/>
-              <a:lumOff val="0"/>
-              <a:alphaOff val="0"/>
-            </a:schemeClr>
-          </a:solidFill>
-          <a:prstDash val="solid"/>
-          <a:miter lim="800000"/>
-        </a:ln>
-        <a:effectLst/>
-      </dsp:spPr>
-      <dsp:style>
-        <a:lnRef idx="2">
-          <a:scrgbClr r="0" g="0" b="0"/>
-        </a:lnRef>
-        <a:fillRef idx="1">
-          <a:scrgbClr r="0" g="0" b="0"/>
-        </a:fillRef>
-        <a:effectRef idx="0">
-          <a:scrgbClr r="0" g="0" b="0"/>
-        </a:effectRef>
-        <a:fontRef idx="minor">
-          <a:schemeClr val="lt1"/>
-        </a:fontRef>
-      </dsp:style>
-      <dsp:txBody>
-        <a:bodyPr spcFirstLastPara="0" vert="horz" wrap="square" lIns="5715" tIns="5715" rIns="5715" bIns="5715" numCol="1" spcCol="1270" anchor="ctr" anchorCtr="0">
-          <a:noAutofit/>
-        </a:bodyPr>
-        <a:lstStyle/>
-        <a:p>
-          <a:pPr marL="0" lvl="0" indent="0" algn="ctr" defTabSz="400050">
-            <a:lnSpc>
-              <a:spcPct val="90000"/>
-            </a:lnSpc>
-            <a:spcBef>
-              <a:spcPct val="0"/>
-            </a:spcBef>
-            <a:spcAft>
-              <a:spcPct val="35000"/>
-            </a:spcAft>
-            <a:buNone/>
-          </a:pPr>
-          <a:endParaRPr lang="de-DE" sz="900" kern="1200"/>
-        </a:p>
-      </dsp:txBody>
-      <dsp:txXfrm>
-        <a:off x="7588531" y="3439495"/>
-        <a:ext cx="1210739" cy="605369"/>
+        <a:off x="6544033" y="2579983"/>
+        <a:ext cx="1210553" cy="605276"/>
       </dsp:txXfrm>
     </dsp:sp>
   </dsp:spTree>
@@ -8438,7 +8233,7 @@
           <a:p>
             <a:fld id="{917B46BF-5482-4673-B69F-CD5D93A1D88E}" type="datetimeFigureOut">
               <a:rPr lang="de-DE" smtClean="0"/>
-              <a:t>15.12.2023</a:t>
+              <a:t>18.12.2023</a:t>
             </a:fld>
             <a:endParaRPr lang="de-DE"/>
           </a:p>
@@ -8638,7 +8433,7 @@
           <a:p>
             <a:fld id="{917B46BF-5482-4673-B69F-CD5D93A1D88E}" type="datetimeFigureOut">
               <a:rPr lang="de-DE" smtClean="0"/>
-              <a:t>15.12.2023</a:t>
+              <a:t>18.12.2023</a:t>
             </a:fld>
             <a:endParaRPr lang="de-DE"/>
           </a:p>
@@ -8848,7 +8643,7 @@
           <a:p>
             <a:fld id="{917B46BF-5482-4673-B69F-CD5D93A1D88E}" type="datetimeFigureOut">
               <a:rPr lang="de-DE" smtClean="0"/>
-              <a:t>15.12.2023</a:t>
+              <a:t>18.12.2023</a:t>
             </a:fld>
             <a:endParaRPr lang="de-DE"/>
           </a:p>
@@ -9048,7 +8843,7 @@
           <a:p>
             <a:fld id="{917B46BF-5482-4673-B69F-CD5D93A1D88E}" type="datetimeFigureOut">
               <a:rPr lang="de-DE" smtClean="0"/>
-              <a:t>15.12.2023</a:t>
+              <a:t>18.12.2023</a:t>
             </a:fld>
             <a:endParaRPr lang="de-DE"/>
           </a:p>
@@ -9324,7 +9119,7 @@
           <a:p>
             <a:fld id="{917B46BF-5482-4673-B69F-CD5D93A1D88E}" type="datetimeFigureOut">
               <a:rPr lang="de-DE" smtClean="0"/>
-              <a:t>15.12.2023</a:t>
+              <a:t>18.12.2023</a:t>
             </a:fld>
             <a:endParaRPr lang="de-DE"/>
           </a:p>
@@ -9592,7 +9387,7 @@
           <a:p>
             <a:fld id="{917B46BF-5482-4673-B69F-CD5D93A1D88E}" type="datetimeFigureOut">
               <a:rPr lang="de-DE" smtClean="0"/>
-              <a:t>15.12.2023</a:t>
+              <a:t>18.12.2023</a:t>
             </a:fld>
             <a:endParaRPr lang="de-DE"/>
           </a:p>
@@ -10007,7 +9802,7 @@
           <a:p>
             <a:fld id="{917B46BF-5482-4673-B69F-CD5D93A1D88E}" type="datetimeFigureOut">
               <a:rPr lang="de-DE" smtClean="0"/>
-              <a:t>15.12.2023</a:t>
+              <a:t>18.12.2023</a:t>
             </a:fld>
             <a:endParaRPr lang="de-DE"/>
           </a:p>
@@ -10149,7 +9944,7 @@
           <a:p>
             <a:fld id="{917B46BF-5482-4673-B69F-CD5D93A1D88E}" type="datetimeFigureOut">
               <a:rPr lang="de-DE" smtClean="0"/>
-              <a:t>15.12.2023</a:t>
+              <a:t>18.12.2023</a:t>
             </a:fld>
             <a:endParaRPr lang="de-DE"/>
           </a:p>
@@ -10262,7 +10057,7 @@
           <a:p>
             <a:fld id="{917B46BF-5482-4673-B69F-CD5D93A1D88E}" type="datetimeFigureOut">
               <a:rPr lang="de-DE" smtClean="0"/>
-              <a:t>15.12.2023</a:t>
+              <a:t>18.12.2023</a:t>
             </a:fld>
             <a:endParaRPr lang="de-DE"/>
           </a:p>
@@ -10575,7 +10370,7 @@
           <a:p>
             <a:fld id="{917B46BF-5482-4673-B69F-CD5D93A1D88E}" type="datetimeFigureOut">
               <a:rPr lang="de-DE" smtClean="0"/>
-              <a:t>15.12.2023</a:t>
+              <a:t>18.12.2023</a:t>
             </a:fld>
             <a:endParaRPr lang="de-DE"/>
           </a:p>
@@ -10864,7 +10659,7 @@
           <a:p>
             <a:fld id="{917B46BF-5482-4673-B69F-CD5D93A1D88E}" type="datetimeFigureOut">
               <a:rPr lang="de-DE" smtClean="0"/>
-              <a:t>15.12.2023</a:t>
+              <a:t>18.12.2023</a:t>
             </a:fld>
             <a:endParaRPr lang="de-DE"/>
           </a:p>
@@ -11107,7 +10902,7 @@
           <a:p>
             <a:fld id="{917B46BF-5482-4673-B69F-CD5D93A1D88E}" type="datetimeFigureOut">
               <a:rPr lang="de-DE" smtClean="0"/>
-              <a:t>15.12.2023</a:t>
+              <a:t>18.12.2023</a:t>
             </a:fld>
             <a:endParaRPr lang="de-DE"/>
           </a:p>
@@ -11537,14 +11332,14 @@
           <p:nvPr>
             <p:extLst>
               <p:ext uri="{D42A27DB-BD31-4B8C-83A1-F6EECF244321}">
-                <p14:modId xmlns:p14="http://schemas.microsoft.com/office/powerpoint/2010/main" val="3323568318"/>
+                <p14:modId xmlns:p14="http://schemas.microsoft.com/office/powerpoint/2010/main" val="3879458727"/>
               </p:ext>
             </p:extLst>
           </p:nvPr>
         </p:nvGraphicFramePr>
         <p:xfrm>
-          <a:off x="1127448" y="116632"/>
-          <a:ext cx="10225136" cy="6624736"/>
+          <a:off x="2027548" y="116632"/>
+          <a:ext cx="8136904" cy="6624736"/>
         </p:xfrm>
         <a:graphic>
           <a:graphicData uri="http://schemas.openxmlformats.org/drawingml/2006/diagram">
